--- a/BackgroundServices/Background Services.pptx
+++ b/BackgroundServices/Background Services.pptx
@@ -6,7 +6,7 @@
     <p:sldMasterId id="2147483686" r:id="rId2"/>
   </p:sldMasterIdLst>
   <p:notesMasterIdLst>
-    <p:notesMasterId r:id="rId28"/>
+    <p:notesMasterId r:id="rId29"/>
   </p:notesMasterIdLst>
   <p:sldIdLst>
     <p:sldId id="256" r:id="rId3"/>
@@ -14,26 +14,27 @@
     <p:sldId id="317" r:id="rId5"/>
     <p:sldId id="322" r:id="rId6"/>
     <p:sldId id="338" r:id="rId7"/>
-    <p:sldId id="353" r:id="rId8"/>
-    <p:sldId id="352" r:id="rId9"/>
-    <p:sldId id="354" r:id="rId10"/>
-    <p:sldId id="355" r:id="rId11"/>
-    <p:sldId id="356" r:id="rId12"/>
-    <p:sldId id="357" r:id="rId13"/>
-    <p:sldId id="351" r:id="rId14"/>
-    <p:sldId id="358" r:id="rId15"/>
-    <p:sldId id="360" r:id="rId16"/>
-    <p:sldId id="359" r:id="rId17"/>
-    <p:sldId id="361" r:id="rId18"/>
-    <p:sldId id="362" r:id="rId19"/>
-    <p:sldId id="363" r:id="rId20"/>
-    <p:sldId id="364" r:id="rId21"/>
-    <p:sldId id="365" r:id="rId22"/>
-    <p:sldId id="366" r:id="rId23"/>
-    <p:sldId id="367" r:id="rId24"/>
-    <p:sldId id="368" r:id="rId25"/>
-    <p:sldId id="369" r:id="rId26"/>
-    <p:sldId id="274" r:id="rId27"/>
+    <p:sldId id="370" r:id="rId8"/>
+    <p:sldId id="353" r:id="rId9"/>
+    <p:sldId id="352" r:id="rId10"/>
+    <p:sldId id="354" r:id="rId11"/>
+    <p:sldId id="355" r:id="rId12"/>
+    <p:sldId id="356" r:id="rId13"/>
+    <p:sldId id="357" r:id="rId14"/>
+    <p:sldId id="351" r:id="rId15"/>
+    <p:sldId id="358" r:id="rId16"/>
+    <p:sldId id="360" r:id="rId17"/>
+    <p:sldId id="359" r:id="rId18"/>
+    <p:sldId id="361" r:id="rId19"/>
+    <p:sldId id="362" r:id="rId20"/>
+    <p:sldId id="363" r:id="rId21"/>
+    <p:sldId id="364" r:id="rId22"/>
+    <p:sldId id="365" r:id="rId23"/>
+    <p:sldId id="366" r:id="rId24"/>
+    <p:sldId id="367" r:id="rId25"/>
+    <p:sldId id="368" r:id="rId26"/>
+    <p:sldId id="369" r:id="rId27"/>
+    <p:sldId id="274" r:id="rId28"/>
   </p:sldIdLst>
   <p:sldSz cx="12192000" cy="6858000"/>
   <p:notesSz cx="6858000" cy="9144000"/>
@@ -222,7 +223,7 @@
           <a:p>
             <a:fld id="{574E8BCA-0B4F-4373-B78E-3D2899449797}" type="datetimeFigureOut">
               <a:rPr lang="en-US" smtClean="0"/>
-              <a:t>4/30/2025</a:t>
+              <a:t>5/2/2025</a:t>
             </a:fld>
             <a:endParaRPr lang="en-US" dirty="0"/>
           </a:p>
@@ -578,6 +579,115 @@
   <p:cSld>
     <p:spTree>
       <p:nvGrpSpPr>
+        <p:cNvPr id="1" name=""/>
+        <p:cNvGrpSpPr/>
+        <p:nvPr/>
+      </p:nvGrpSpPr>
+      <p:grpSpPr>
+        <a:xfrm>
+          <a:off x="0" y="0"/>
+          <a:ext cx="0" cy="0"/>
+          <a:chOff x="0" y="0"/>
+          <a:chExt cx="0" cy="0"/>
+        </a:xfrm>
+      </p:grpSpPr>
+      <p:sp>
+        <p:nvSpPr>
+          <p:cNvPr id="2" name="Slide Image Placeholder 1"/>
+          <p:cNvSpPr>
+            <a:spLocks noGrp="1" noRot="1" noChangeAspect="1"/>
+          </p:cNvSpPr>
+          <p:nvPr>
+            <p:ph type="sldImg"/>
+          </p:nvPr>
+        </p:nvSpPr>
+        <p:spPr/>
+      </p:sp>
+      <p:sp>
+        <p:nvSpPr>
+          <p:cNvPr id="3" name="Notes Placeholder 2"/>
+          <p:cNvSpPr>
+            <a:spLocks noGrp="1"/>
+          </p:cNvSpPr>
+          <p:nvPr>
+            <p:ph type="body" idx="1"/>
+          </p:nvPr>
+        </p:nvSpPr>
+        <p:spPr/>
+        <p:txBody>
+          <a:bodyPr/>
+          <a:lstStyle/>
+          <a:p>
+            <a:r>
+              <a:rPr lang="en-US" dirty="0"/>
+              <a:t>Basic app running as Win32 service, </a:t>
+            </a:r>
+            <a:r>
+              <a:rPr lang="en-US" dirty="0" err="1"/>
+              <a:t>systemd</a:t>
+            </a:r>
+            <a:r>
+              <a:rPr lang="en-US" dirty="0"/>
+              <a:t> service, Console in docker.</a:t>
+            </a:r>
+          </a:p>
+          <a:p>
+            <a:r>
+              <a:rPr lang="en-US" dirty="0"/>
+              <a:t>(Taking shortcuts for the demo; normally you'd dotnet-publish and then copy those files in, set the </a:t>
+            </a:r>
+            <a:r>
+              <a:rPr lang="en-US" dirty="0" err="1"/>
+              <a:t>entrypoint</a:t>
+            </a:r>
+            <a:r>
+              <a:rPr lang="en-US" dirty="0"/>
+              <a:t>, and build the image)</a:t>
+            </a:r>
+          </a:p>
+        </p:txBody>
+      </p:sp>
+      <p:sp>
+        <p:nvSpPr>
+          <p:cNvPr id="4" name="Slide Number Placeholder 3"/>
+          <p:cNvSpPr>
+            <a:spLocks noGrp="1"/>
+          </p:cNvSpPr>
+          <p:nvPr>
+            <p:ph type="sldNum" sz="quarter" idx="5"/>
+          </p:nvPr>
+        </p:nvSpPr>
+        <p:spPr/>
+        <p:txBody>
+          <a:bodyPr/>
+          <a:lstStyle/>
+          <a:p>
+            <a:fld id="{94CE3395-F8FF-4336-B2AA-E15575B990E7}" type="slidenum">
+              <a:rPr lang="en-US" smtClean="0"/>
+              <a:t>13</a:t>
+            </a:fld>
+            <a:endParaRPr lang="en-US" dirty="0"/>
+          </a:p>
+        </p:txBody>
+      </p:sp>
+    </p:spTree>
+    <p:extLst>
+      <p:ext uri="{BB962C8B-B14F-4D97-AF65-F5344CB8AC3E}">
+        <p14:creationId xmlns:p14="http://schemas.microsoft.com/office/powerpoint/2010/main" val="790143891"/>
+      </p:ext>
+    </p:extLst>
+  </p:cSld>
+  <p:clrMapOvr>
+    <a:masterClrMapping/>
+  </p:clrMapOvr>
+</p:notes>
+</file>
+
+<file path=ppt/notesSlides/notesSlide11.xml><?xml version="1.0" encoding="utf-8"?>
+<p:notes xmlns:a="http://schemas.openxmlformats.org/drawingml/2006/main" xmlns:r="http://schemas.openxmlformats.org/officeDocument/2006/relationships" xmlns:p="http://schemas.openxmlformats.org/presentationml/2006/main">
+  <p:cSld>
+    <p:spTree>
+      <p:nvGrpSpPr>
         <p:cNvPr id="1" name="">
           <a:extLst>
             <a:ext uri="{FF2B5EF4-FFF2-40B4-BE49-F238E27FC236}">
@@ -665,7 +775,7 @@
           <a:p>
             <a:fld id="{94CE3395-F8FF-4336-B2AA-E15575B990E7}" type="slidenum">
               <a:rPr lang="en-US" smtClean="0"/>
-              <a:t>13</a:t>
+              <a:t>14</a:t>
             </a:fld>
             <a:endParaRPr lang="en-US" dirty="0"/>
           </a:p>
@@ -684,7 +794,7 @@
 </p:notes>
 </file>
 
-<file path=ppt/notesSlides/notesSlide11.xml><?xml version="1.0" encoding="utf-8"?>
+<file path=ppt/notesSlides/notesSlide12.xml><?xml version="1.0" encoding="utf-8"?>
 <p:notes xmlns:a="http://schemas.openxmlformats.org/drawingml/2006/main" xmlns:r="http://schemas.openxmlformats.org/officeDocument/2006/relationships" xmlns:p="http://schemas.openxmlformats.org/presentationml/2006/main">
   <p:cSld>
     <p:spTree>
@@ -773,7 +883,7 @@
           <a:p>
             <a:fld id="{94CE3395-F8FF-4336-B2AA-E15575B990E7}" type="slidenum">
               <a:rPr lang="en-US" smtClean="0"/>
-              <a:t>15</a:t>
+              <a:t>16</a:t>
             </a:fld>
             <a:endParaRPr lang="en-US" dirty="0"/>
           </a:p>
@@ -792,7 +902,7 @@
 </p:notes>
 </file>
 
-<file path=ppt/notesSlides/notesSlide12.xml><?xml version="1.0" encoding="utf-8"?>
+<file path=ppt/notesSlides/notesSlide13.xml><?xml version="1.0" encoding="utf-8"?>
 <p:notes xmlns:a="http://schemas.openxmlformats.org/drawingml/2006/main" xmlns:r="http://schemas.openxmlformats.org/officeDocument/2006/relationships" xmlns:p="http://schemas.openxmlformats.org/presentationml/2006/main">
   <p:cSld>
     <p:spTree>
@@ -881,7 +991,7 @@
           <a:p>
             <a:fld id="{94CE3395-F8FF-4336-B2AA-E15575B990E7}" type="slidenum">
               <a:rPr lang="en-US" smtClean="0"/>
-              <a:t>16</a:t>
+              <a:t>17</a:t>
             </a:fld>
             <a:endParaRPr lang="en-US" dirty="0"/>
           </a:p>
@@ -900,7 +1010,7 @@
 </p:notes>
 </file>
 
-<file path=ppt/notesSlides/notesSlide13.xml><?xml version="1.0" encoding="utf-8"?>
+<file path=ppt/notesSlides/notesSlide14.xml><?xml version="1.0" encoding="utf-8"?>
 <p:notes xmlns:a="http://schemas.openxmlformats.org/drawingml/2006/main" xmlns:r="http://schemas.openxmlformats.org/officeDocument/2006/relationships" xmlns:p="http://schemas.openxmlformats.org/presentationml/2006/main">
   <p:cSld>
     <p:spTree>
@@ -989,7 +1099,7 @@
           <a:p>
             <a:fld id="{94CE3395-F8FF-4336-B2AA-E15575B990E7}" type="slidenum">
               <a:rPr lang="en-US" smtClean="0"/>
-              <a:t>17</a:t>
+              <a:t>18</a:t>
             </a:fld>
             <a:endParaRPr lang="en-US" dirty="0"/>
           </a:p>
@@ -1008,7 +1118,7 @@
 </p:notes>
 </file>
 
-<file path=ppt/notesSlides/notesSlide14.xml><?xml version="1.0" encoding="utf-8"?>
+<file path=ppt/notesSlides/notesSlide15.xml><?xml version="1.0" encoding="utf-8"?>
 <p:notes xmlns:a="http://schemas.openxmlformats.org/drawingml/2006/main" xmlns:r="http://schemas.openxmlformats.org/officeDocument/2006/relationships" xmlns:p="http://schemas.openxmlformats.org/presentationml/2006/main">
   <p:cSld>
     <p:spTree>
@@ -1100,7 +1210,7 @@
           <a:p>
             <a:fld id="{94CE3395-F8FF-4336-B2AA-E15575B990E7}" type="slidenum">
               <a:rPr lang="en-US" smtClean="0"/>
-              <a:t>18</a:t>
+              <a:t>19</a:t>
             </a:fld>
             <a:endParaRPr lang="en-US" dirty="0"/>
           </a:p>
@@ -1119,7 +1229,7 @@
 </p:notes>
 </file>
 
-<file path=ppt/notesSlides/notesSlide15.xml><?xml version="1.0" encoding="utf-8"?>
+<file path=ppt/notesSlides/notesSlide16.xml><?xml version="1.0" encoding="utf-8"?>
 <p:notes xmlns:a="http://schemas.openxmlformats.org/drawingml/2006/main" xmlns:r="http://schemas.openxmlformats.org/officeDocument/2006/relationships" xmlns:p="http://schemas.openxmlformats.org/presentationml/2006/main">
   <p:cSld>
     <p:spTree>
@@ -1208,7 +1318,7 @@
           <a:p>
             <a:fld id="{94CE3395-F8FF-4336-B2AA-E15575B990E7}" type="slidenum">
               <a:rPr lang="en-US" smtClean="0"/>
-              <a:t>20</a:t>
+              <a:t>21</a:t>
             </a:fld>
             <a:endParaRPr lang="en-US" dirty="0"/>
           </a:p>
@@ -1227,7 +1337,7 @@
 </p:notes>
 </file>
 
-<file path=ppt/notesSlides/notesSlide16.xml><?xml version="1.0" encoding="utf-8"?>
+<file path=ppt/notesSlides/notesSlide17.xml><?xml version="1.0" encoding="utf-8"?>
 <p:notes xmlns:a="http://schemas.openxmlformats.org/drawingml/2006/main" xmlns:r="http://schemas.openxmlformats.org/officeDocument/2006/relationships" xmlns:p="http://schemas.openxmlformats.org/presentationml/2006/main">
   <p:cSld>
     <p:spTree>
@@ -1316,7 +1426,7 @@
           <a:p>
             <a:fld id="{94CE3395-F8FF-4336-B2AA-E15575B990E7}" type="slidenum">
               <a:rPr lang="en-US" smtClean="0"/>
-              <a:t>21</a:t>
+              <a:t>22</a:t>
             </a:fld>
             <a:endParaRPr lang="en-US" dirty="0"/>
           </a:p>
@@ -1335,7 +1445,7 @@
 </p:notes>
 </file>
 
-<file path=ppt/notesSlides/notesSlide17.xml><?xml version="1.0" encoding="utf-8"?>
+<file path=ppt/notesSlides/notesSlide18.xml><?xml version="1.0" encoding="utf-8"?>
 <p:notes xmlns:a="http://schemas.openxmlformats.org/drawingml/2006/main" xmlns:r="http://schemas.openxmlformats.org/officeDocument/2006/relationships" xmlns:p="http://schemas.openxmlformats.org/presentationml/2006/main">
   <p:cSld>
     <p:spTree>
@@ -1424,7 +1534,7 @@
           <a:p>
             <a:fld id="{94CE3395-F8FF-4336-B2AA-E15575B990E7}" type="slidenum">
               <a:rPr lang="en-US" smtClean="0"/>
-              <a:t>23</a:t>
+              <a:t>24</a:t>
             </a:fld>
             <a:endParaRPr lang="en-US" dirty="0"/>
           </a:p>
@@ -1443,7 +1553,7 @@
 </p:notes>
 </file>
 
-<file path=ppt/notesSlides/notesSlide18.xml><?xml version="1.0" encoding="utf-8"?>
+<file path=ppt/notesSlides/notesSlide19.xml><?xml version="1.0" encoding="utf-8"?>
 <p:notes xmlns:a="http://schemas.openxmlformats.org/drawingml/2006/main" xmlns:r="http://schemas.openxmlformats.org/officeDocument/2006/relationships" xmlns:p="http://schemas.openxmlformats.org/presentationml/2006/main">
   <p:cSld>
     <p:spTree>
@@ -1546,7 +1656,7 @@
           <a:p>
             <a:fld id="{94CE3395-F8FF-4336-B2AA-E15575B990E7}" type="slidenum">
               <a:rPr lang="en-US" smtClean="0"/>
-              <a:t>24</a:t>
+              <a:t>25</a:t>
             </a:fld>
             <a:endParaRPr lang="en-US" dirty="0"/>
           </a:p>
@@ -1556,90 +1666,6 @@
     <p:extLst>
       <p:ext uri="{BB962C8B-B14F-4D97-AF65-F5344CB8AC3E}">
         <p14:creationId xmlns:p14="http://schemas.microsoft.com/office/powerpoint/2010/main" val="3228945820"/>
-      </p:ext>
-    </p:extLst>
-  </p:cSld>
-  <p:clrMapOvr>
-    <a:masterClrMapping/>
-  </p:clrMapOvr>
-</p:notes>
-</file>
-
-<file path=ppt/notesSlides/notesSlide19.xml><?xml version="1.0" encoding="utf-8"?>
-<p:notes xmlns:a="http://schemas.openxmlformats.org/drawingml/2006/main" xmlns:r="http://schemas.openxmlformats.org/officeDocument/2006/relationships" xmlns:p="http://schemas.openxmlformats.org/presentationml/2006/main">
-  <p:cSld>
-    <p:spTree>
-      <p:nvGrpSpPr>
-        <p:cNvPr id="1" name=""/>
-        <p:cNvGrpSpPr/>
-        <p:nvPr/>
-      </p:nvGrpSpPr>
-      <p:grpSpPr>
-        <a:xfrm>
-          <a:off x="0" y="0"/>
-          <a:ext cx="0" cy="0"/>
-          <a:chOff x="0" y="0"/>
-          <a:chExt cx="0" cy="0"/>
-        </a:xfrm>
-      </p:grpSpPr>
-      <p:sp>
-        <p:nvSpPr>
-          <p:cNvPr id="2" name="Slide Image Placeholder 1"/>
-          <p:cNvSpPr>
-            <a:spLocks noGrp="1" noRot="1" noChangeAspect="1"/>
-          </p:cNvSpPr>
-          <p:nvPr>
-            <p:ph type="sldImg"/>
-          </p:nvPr>
-        </p:nvSpPr>
-        <p:spPr/>
-      </p:sp>
-      <p:sp>
-        <p:nvSpPr>
-          <p:cNvPr id="3" name="Notes Placeholder 2"/>
-          <p:cNvSpPr>
-            <a:spLocks noGrp="1"/>
-          </p:cNvSpPr>
-          <p:nvPr>
-            <p:ph type="body" idx="1"/>
-          </p:nvPr>
-        </p:nvSpPr>
-        <p:spPr/>
-        <p:txBody>
-          <a:bodyPr/>
-          <a:lstStyle/>
-          <a:p>
-            <a:endParaRPr lang="en-US" dirty="0"/>
-          </a:p>
-        </p:txBody>
-      </p:sp>
-      <p:sp>
-        <p:nvSpPr>
-          <p:cNvPr id="4" name="Slide Number Placeholder 3"/>
-          <p:cNvSpPr>
-            <a:spLocks noGrp="1"/>
-          </p:cNvSpPr>
-          <p:nvPr>
-            <p:ph type="sldNum" sz="quarter" idx="10"/>
-          </p:nvPr>
-        </p:nvSpPr>
-        <p:spPr/>
-        <p:txBody>
-          <a:bodyPr/>
-          <a:lstStyle/>
-          <a:p>
-            <a:fld id="{94CE3395-F8FF-4336-B2AA-E15575B990E7}" type="slidenum">
-              <a:rPr lang="en-US" smtClean="0"/>
-              <a:t>25</a:t>
-            </a:fld>
-            <a:endParaRPr lang="en-US" dirty="0"/>
-          </a:p>
-        </p:txBody>
-      </p:sp>
-    </p:spTree>
-    <p:extLst>
-      <p:ext uri="{BB962C8B-B14F-4D97-AF65-F5344CB8AC3E}">
-        <p14:creationId xmlns:p14="http://schemas.microsoft.com/office/powerpoint/2010/main" val="1830998887"/>
       </p:ext>
     </p:extLst>
   </p:cSld>
@@ -1776,6 +1802,90 @@
 </p:notes>
 </file>
 
+<file path=ppt/notesSlides/notesSlide20.xml><?xml version="1.0" encoding="utf-8"?>
+<p:notes xmlns:a="http://schemas.openxmlformats.org/drawingml/2006/main" xmlns:r="http://schemas.openxmlformats.org/officeDocument/2006/relationships" xmlns:p="http://schemas.openxmlformats.org/presentationml/2006/main">
+  <p:cSld>
+    <p:spTree>
+      <p:nvGrpSpPr>
+        <p:cNvPr id="1" name=""/>
+        <p:cNvGrpSpPr/>
+        <p:nvPr/>
+      </p:nvGrpSpPr>
+      <p:grpSpPr>
+        <a:xfrm>
+          <a:off x="0" y="0"/>
+          <a:ext cx="0" cy="0"/>
+          <a:chOff x="0" y="0"/>
+          <a:chExt cx="0" cy="0"/>
+        </a:xfrm>
+      </p:grpSpPr>
+      <p:sp>
+        <p:nvSpPr>
+          <p:cNvPr id="2" name="Slide Image Placeholder 1"/>
+          <p:cNvSpPr>
+            <a:spLocks noGrp="1" noRot="1" noChangeAspect="1"/>
+          </p:cNvSpPr>
+          <p:nvPr>
+            <p:ph type="sldImg"/>
+          </p:nvPr>
+        </p:nvSpPr>
+        <p:spPr/>
+      </p:sp>
+      <p:sp>
+        <p:nvSpPr>
+          <p:cNvPr id="3" name="Notes Placeholder 2"/>
+          <p:cNvSpPr>
+            <a:spLocks noGrp="1"/>
+          </p:cNvSpPr>
+          <p:nvPr>
+            <p:ph type="body" idx="1"/>
+          </p:nvPr>
+        </p:nvSpPr>
+        <p:spPr/>
+        <p:txBody>
+          <a:bodyPr/>
+          <a:lstStyle/>
+          <a:p>
+            <a:endParaRPr lang="en-US" dirty="0"/>
+          </a:p>
+        </p:txBody>
+      </p:sp>
+      <p:sp>
+        <p:nvSpPr>
+          <p:cNvPr id="4" name="Slide Number Placeholder 3"/>
+          <p:cNvSpPr>
+            <a:spLocks noGrp="1"/>
+          </p:cNvSpPr>
+          <p:nvPr>
+            <p:ph type="sldNum" sz="quarter" idx="10"/>
+          </p:nvPr>
+        </p:nvSpPr>
+        <p:spPr/>
+        <p:txBody>
+          <a:bodyPr/>
+          <a:lstStyle/>
+          <a:p>
+            <a:fld id="{94CE3395-F8FF-4336-B2AA-E15575B990E7}" type="slidenum">
+              <a:rPr lang="en-US" smtClean="0"/>
+              <a:t>26</a:t>
+            </a:fld>
+            <a:endParaRPr lang="en-US" dirty="0"/>
+          </a:p>
+        </p:txBody>
+      </p:sp>
+    </p:spTree>
+    <p:extLst>
+      <p:ext uri="{BB962C8B-B14F-4D97-AF65-F5344CB8AC3E}">
+        <p14:creationId xmlns:p14="http://schemas.microsoft.com/office/powerpoint/2010/main" val="1830998887"/>
+      </p:ext>
+    </p:extLst>
+  </p:cSld>
+  <p:clrMapOvr>
+    <a:masterClrMapping/>
+  </p:clrMapOvr>
+</p:notes>
+</file>
+
 <file path=ppt/notesSlides/notesSlide3.xml><?xml version="1.0" encoding="utf-8"?>
 <p:notes xmlns:a="http://schemas.openxmlformats.org/drawingml/2006/main" xmlns:r="http://schemas.openxmlformats.org/officeDocument/2006/relationships" xmlns:p="http://schemas.openxmlformats.org/presentationml/2006/main">
   <p:cSld>
@@ -1820,19 +1930,7 @@
           <a:bodyPr/>
           <a:lstStyle/>
           <a:p>
-            <a:r>
-              <a:rPr lang="en-US" dirty="0"/>
-              <a:t>If you want to leave now, I wouldn’t blame you!</a:t>
-            </a:r>
-          </a:p>
-          <a:p>
             <a:endParaRPr lang="en-US" dirty="0"/>
-          </a:p>
-          <a:p>
-            <a:r>
-              <a:rPr lang="en-US" dirty="0"/>
-              <a:t>I mention hosting a couple times in this slide, so let’s talk about hosting!</a:t>
-            </a:r>
           </a:p>
         </p:txBody>
       </p:sp>
@@ -1873,6 +1971,126 @@
 </file>
 
 <file path=ppt/notesSlides/notesSlide4.xml><?xml version="1.0" encoding="utf-8"?>
+<p:notes xmlns:a="http://schemas.openxmlformats.org/drawingml/2006/main" xmlns:r="http://schemas.openxmlformats.org/officeDocument/2006/relationships" xmlns:p="http://schemas.openxmlformats.org/presentationml/2006/main">
+  <p:cSld>
+    <p:spTree>
+      <p:nvGrpSpPr>
+        <p:cNvPr id="1" name="">
+          <a:extLst>
+            <a:ext uri="{FF2B5EF4-FFF2-40B4-BE49-F238E27FC236}">
+              <a16:creationId xmlns:a16="http://schemas.microsoft.com/office/drawing/2014/main" id="{13C75745-3221-35D7-7999-58C810E22F99}"/>
+            </a:ext>
+          </a:extLst>
+        </p:cNvPr>
+        <p:cNvGrpSpPr/>
+        <p:nvPr/>
+      </p:nvGrpSpPr>
+      <p:grpSpPr>
+        <a:xfrm>
+          <a:off x="0" y="0"/>
+          <a:ext cx="0" cy="0"/>
+          <a:chOff x="0" y="0"/>
+          <a:chExt cx="0" cy="0"/>
+        </a:xfrm>
+      </p:grpSpPr>
+      <p:sp>
+        <p:nvSpPr>
+          <p:cNvPr id="2" name="Slide Image Placeholder 1">
+            <a:extLst>
+              <a:ext uri="{FF2B5EF4-FFF2-40B4-BE49-F238E27FC236}">
+                <a16:creationId xmlns:a16="http://schemas.microsoft.com/office/drawing/2014/main" id="{E8A8202D-1262-0EB6-93B5-0FB905742086}"/>
+              </a:ext>
+            </a:extLst>
+          </p:cNvPr>
+          <p:cNvSpPr>
+            <a:spLocks noGrp="1" noRot="1" noChangeAspect="1"/>
+          </p:cNvSpPr>
+          <p:nvPr>
+            <p:ph type="sldImg"/>
+          </p:nvPr>
+        </p:nvSpPr>
+        <p:spPr/>
+      </p:sp>
+      <p:sp>
+        <p:nvSpPr>
+          <p:cNvPr id="3" name="Notes Placeholder 2">
+            <a:extLst>
+              <a:ext uri="{FF2B5EF4-FFF2-40B4-BE49-F238E27FC236}">
+                <a16:creationId xmlns:a16="http://schemas.microsoft.com/office/drawing/2014/main" id="{3590176A-AA8F-DE8A-9FF1-2554741C5997}"/>
+              </a:ext>
+            </a:extLst>
+          </p:cNvPr>
+          <p:cNvSpPr>
+            <a:spLocks noGrp="1"/>
+          </p:cNvSpPr>
+          <p:nvPr>
+            <p:ph type="body" idx="1"/>
+          </p:nvPr>
+        </p:nvSpPr>
+        <p:spPr/>
+        <p:txBody>
+          <a:bodyPr/>
+          <a:lstStyle/>
+          <a:p>
+            <a:r>
+              <a:rPr lang="en-US" dirty="0"/>
+              <a:t>If you want to leave now, I wouldn’t blame you!</a:t>
+            </a:r>
+          </a:p>
+          <a:p>
+            <a:endParaRPr lang="en-US" dirty="0"/>
+          </a:p>
+          <a:p>
+            <a:r>
+              <a:rPr lang="en-US" dirty="0"/>
+              <a:t>I mention hosting a couple times in this slide, so let’s talk about hosting!</a:t>
+            </a:r>
+          </a:p>
+        </p:txBody>
+      </p:sp>
+      <p:sp>
+        <p:nvSpPr>
+          <p:cNvPr id="4" name="Slide Number Placeholder 3">
+            <a:extLst>
+              <a:ext uri="{FF2B5EF4-FFF2-40B4-BE49-F238E27FC236}">
+                <a16:creationId xmlns:a16="http://schemas.microsoft.com/office/drawing/2014/main" id="{4AC8C29C-F132-546F-5825-ABA08FE5BE86}"/>
+              </a:ext>
+            </a:extLst>
+          </p:cNvPr>
+          <p:cNvSpPr>
+            <a:spLocks noGrp="1"/>
+          </p:cNvSpPr>
+          <p:nvPr>
+            <p:ph type="sldNum" sz="quarter" idx="5"/>
+          </p:nvPr>
+        </p:nvSpPr>
+        <p:spPr/>
+        <p:txBody>
+          <a:bodyPr/>
+          <a:lstStyle/>
+          <a:p>
+            <a:fld id="{94CE3395-F8FF-4336-B2AA-E15575B990E7}" type="slidenum">
+              <a:rPr lang="en-US" smtClean="0"/>
+              <a:t>6</a:t>
+            </a:fld>
+            <a:endParaRPr lang="en-US" dirty="0"/>
+          </a:p>
+        </p:txBody>
+      </p:sp>
+    </p:spTree>
+    <p:extLst>
+      <p:ext uri="{BB962C8B-B14F-4D97-AF65-F5344CB8AC3E}">
+        <p14:creationId xmlns:p14="http://schemas.microsoft.com/office/powerpoint/2010/main" val="3122150113"/>
+      </p:ext>
+    </p:extLst>
+  </p:cSld>
+  <p:clrMapOvr>
+    <a:masterClrMapping/>
+  </p:clrMapOvr>
+</p:notes>
+</file>
+
+<file path=ppt/notesSlides/notesSlide5.xml><?xml version="1.0" encoding="utf-8"?>
 <p:notes xmlns:a="http://schemas.openxmlformats.org/drawingml/2006/main" xmlns:r="http://schemas.openxmlformats.org/officeDocument/2006/relationships" xmlns:p="http://schemas.openxmlformats.org/presentationml/2006/main">
   <p:cSld>
     <p:spTree>
@@ -1961,7 +2179,7 @@
           <a:p>
             <a:fld id="{94CE3395-F8FF-4336-B2AA-E15575B990E7}" type="slidenum">
               <a:rPr lang="en-US" smtClean="0"/>
-              <a:t>6</a:t>
+              <a:t>7</a:t>
             </a:fld>
             <a:endParaRPr lang="en-US" dirty="0"/>
           </a:p>
@@ -1980,7 +2198,7 @@
 </p:notes>
 </file>
 
-<file path=ppt/notesSlides/notesSlide5.xml><?xml version="1.0" encoding="utf-8"?>
+<file path=ppt/notesSlides/notesSlide6.xml><?xml version="1.0" encoding="utf-8"?>
 <p:notes xmlns:a="http://schemas.openxmlformats.org/drawingml/2006/main" xmlns:r="http://schemas.openxmlformats.org/officeDocument/2006/relationships" xmlns:p="http://schemas.openxmlformats.org/presentationml/2006/main">
   <p:cSld>
     <p:spTree>
@@ -2069,7 +2287,7 @@
           <a:p>
             <a:fld id="{94CE3395-F8FF-4336-B2AA-E15575B990E7}" type="slidenum">
               <a:rPr lang="en-US" smtClean="0"/>
-              <a:t>8</a:t>
+              <a:t>9</a:t>
             </a:fld>
             <a:endParaRPr lang="en-US" dirty="0"/>
           </a:p>
@@ -2088,7 +2306,7 @@
 </p:notes>
 </file>
 
-<file path=ppt/notesSlides/notesSlide6.xml><?xml version="1.0" encoding="utf-8"?>
+<file path=ppt/notesSlides/notesSlide7.xml><?xml version="1.0" encoding="utf-8"?>
 <p:notes xmlns:a="http://schemas.openxmlformats.org/drawingml/2006/main" xmlns:r="http://schemas.openxmlformats.org/officeDocument/2006/relationships" xmlns:p="http://schemas.openxmlformats.org/presentationml/2006/main">
   <p:cSld>
     <p:spTree>
@@ -2177,7 +2395,7 @@
           <a:p>
             <a:fld id="{94CE3395-F8FF-4336-B2AA-E15575B990E7}" type="slidenum">
               <a:rPr lang="en-US" smtClean="0"/>
-              <a:t>9</a:t>
+              <a:t>10</a:t>
             </a:fld>
             <a:endParaRPr lang="en-US" dirty="0"/>
           </a:p>
@@ -2196,7 +2414,7 @@
 </p:notes>
 </file>
 
-<file path=ppt/notesSlides/notesSlide7.xml><?xml version="1.0" encoding="utf-8"?>
+<file path=ppt/notesSlides/notesSlide8.xml><?xml version="1.0" encoding="utf-8"?>
 <p:notes xmlns:a="http://schemas.openxmlformats.org/drawingml/2006/main" xmlns:r="http://schemas.openxmlformats.org/officeDocument/2006/relationships" xmlns:p="http://schemas.openxmlformats.org/presentationml/2006/main">
   <p:cSld>
     <p:spTree>
@@ -2285,7 +2503,7 @@
           <a:p>
             <a:fld id="{94CE3395-F8FF-4336-B2AA-E15575B990E7}" type="slidenum">
               <a:rPr lang="en-US" smtClean="0"/>
-              <a:t>10</a:t>
+              <a:t>11</a:t>
             </a:fld>
             <a:endParaRPr lang="en-US" dirty="0"/>
           </a:p>
@@ -2304,7 +2522,7 @@
 </p:notes>
 </file>
 
-<file path=ppt/notesSlides/notesSlide8.xml><?xml version="1.0" encoding="utf-8"?>
+<file path=ppt/notesSlides/notesSlide9.xml><?xml version="1.0" encoding="utf-8"?>
 <p:notes xmlns:a="http://schemas.openxmlformats.org/drawingml/2006/main" xmlns:r="http://schemas.openxmlformats.org/officeDocument/2006/relationships" xmlns:p="http://schemas.openxmlformats.org/presentationml/2006/main">
   <p:cSld>
     <p:spTree>
@@ -2393,7 +2611,7 @@
           <a:p>
             <a:fld id="{94CE3395-F8FF-4336-B2AA-E15575B990E7}" type="slidenum">
               <a:rPr lang="en-US" smtClean="0"/>
-              <a:t>11</a:t>
+              <a:t>12</a:t>
             </a:fld>
             <a:endParaRPr lang="en-US" dirty="0"/>
           </a:p>
@@ -2403,115 +2621,6 @@
     <p:extLst>
       <p:ext uri="{BB962C8B-B14F-4D97-AF65-F5344CB8AC3E}">
         <p14:creationId xmlns:p14="http://schemas.microsoft.com/office/powerpoint/2010/main" val="185053187"/>
-      </p:ext>
-    </p:extLst>
-  </p:cSld>
-  <p:clrMapOvr>
-    <a:masterClrMapping/>
-  </p:clrMapOvr>
-</p:notes>
-</file>
-
-<file path=ppt/notesSlides/notesSlide9.xml><?xml version="1.0" encoding="utf-8"?>
-<p:notes xmlns:a="http://schemas.openxmlformats.org/drawingml/2006/main" xmlns:r="http://schemas.openxmlformats.org/officeDocument/2006/relationships" xmlns:p="http://schemas.openxmlformats.org/presentationml/2006/main">
-  <p:cSld>
-    <p:spTree>
-      <p:nvGrpSpPr>
-        <p:cNvPr id="1" name=""/>
-        <p:cNvGrpSpPr/>
-        <p:nvPr/>
-      </p:nvGrpSpPr>
-      <p:grpSpPr>
-        <a:xfrm>
-          <a:off x="0" y="0"/>
-          <a:ext cx="0" cy="0"/>
-          <a:chOff x="0" y="0"/>
-          <a:chExt cx="0" cy="0"/>
-        </a:xfrm>
-      </p:grpSpPr>
-      <p:sp>
-        <p:nvSpPr>
-          <p:cNvPr id="2" name="Slide Image Placeholder 1"/>
-          <p:cNvSpPr>
-            <a:spLocks noGrp="1" noRot="1" noChangeAspect="1"/>
-          </p:cNvSpPr>
-          <p:nvPr>
-            <p:ph type="sldImg"/>
-          </p:nvPr>
-        </p:nvSpPr>
-        <p:spPr/>
-      </p:sp>
-      <p:sp>
-        <p:nvSpPr>
-          <p:cNvPr id="3" name="Notes Placeholder 2"/>
-          <p:cNvSpPr>
-            <a:spLocks noGrp="1"/>
-          </p:cNvSpPr>
-          <p:nvPr>
-            <p:ph type="body" idx="1"/>
-          </p:nvPr>
-        </p:nvSpPr>
-        <p:spPr/>
-        <p:txBody>
-          <a:bodyPr/>
-          <a:lstStyle/>
-          <a:p>
-            <a:r>
-              <a:rPr lang="en-US" dirty="0"/>
-              <a:t>Basic app running as Win32 service, </a:t>
-            </a:r>
-            <a:r>
-              <a:rPr lang="en-US" dirty="0" err="1"/>
-              <a:t>systemd</a:t>
-            </a:r>
-            <a:r>
-              <a:rPr lang="en-US" dirty="0"/>
-              <a:t> service, Console in docker.</a:t>
-            </a:r>
-          </a:p>
-          <a:p>
-            <a:r>
-              <a:rPr lang="en-US" dirty="0"/>
-              <a:t>(Taking shortcuts for the demo; normally you'd dotnet-publish and then copy those files in, set the </a:t>
-            </a:r>
-            <a:r>
-              <a:rPr lang="en-US" dirty="0" err="1"/>
-              <a:t>entrypoint</a:t>
-            </a:r>
-            <a:r>
-              <a:rPr lang="en-US" dirty="0"/>
-              <a:t>, and build the image)</a:t>
-            </a:r>
-          </a:p>
-        </p:txBody>
-      </p:sp>
-      <p:sp>
-        <p:nvSpPr>
-          <p:cNvPr id="4" name="Slide Number Placeholder 3"/>
-          <p:cNvSpPr>
-            <a:spLocks noGrp="1"/>
-          </p:cNvSpPr>
-          <p:nvPr>
-            <p:ph type="sldNum" sz="quarter" idx="5"/>
-          </p:nvPr>
-        </p:nvSpPr>
-        <p:spPr/>
-        <p:txBody>
-          <a:bodyPr/>
-          <a:lstStyle/>
-          <a:p>
-            <a:fld id="{94CE3395-F8FF-4336-B2AA-E15575B990E7}" type="slidenum">
-              <a:rPr lang="en-US" smtClean="0"/>
-              <a:t>12</a:t>
-            </a:fld>
-            <a:endParaRPr lang="en-US" dirty="0"/>
-          </a:p>
-        </p:txBody>
-      </p:sp>
-    </p:spTree>
-    <p:extLst>
-      <p:ext uri="{BB962C8B-B14F-4D97-AF65-F5344CB8AC3E}">
-        <p14:creationId xmlns:p14="http://schemas.microsoft.com/office/powerpoint/2010/main" val="790143891"/>
       </p:ext>
     </p:extLst>
   </p:cSld>
@@ -4735,6 +4844,180 @@
         <p:cNvPr id="1" name="">
           <a:extLst>
             <a:ext uri="{FF2B5EF4-FFF2-40B4-BE49-F238E27FC236}">
+              <a16:creationId xmlns:a16="http://schemas.microsoft.com/office/drawing/2014/main" id="{88B34498-2A81-97DE-FABD-9743AA7E092A}"/>
+            </a:ext>
+          </a:extLst>
+        </p:cNvPr>
+        <p:cNvGrpSpPr/>
+        <p:nvPr/>
+      </p:nvGrpSpPr>
+      <p:grpSpPr>
+        <a:xfrm>
+          <a:off x="0" y="0"/>
+          <a:ext cx="0" cy="0"/>
+          <a:chOff x="0" y="0"/>
+          <a:chExt cx="0" cy="0"/>
+        </a:xfrm>
+      </p:grpSpPr>
+      <p:sp>
+        <p:nvSpPr>
+          <p:cNvPr id="3" name="Title 2">
+            <a:extLst>
+              <a:ext uri="{FF2B5EF4-FFF2-40B4-BE49-F238E27FC236}">
+                <a16:creationId xmlns:a16="http://schemas.microsoft.com/office/drawing/2014/main" id="{13111190-FA1D-33E6-F4ED-E6048E7F05E3}"/>
+              </a:ext>
+            </a:extLst>
+          </p:cNvPr>
+          <p:cNvSpPr>
+            <a:spLocks noGrp="1"/>
+          </p:cNvSpPr>
+          <p:nvPr>
+            <p:ph type="title"/>
+          </p:nvPr>
+        </p:nvSpPr>
+        <p:spPr/>
+        <p:txBody>
+          <a:bodyPr/>
+          <a:lstStyle/>
+          <a:p>
+            <a:r>
+              <a:rPr lang="en-US" dirty="0"/>
+              <a:t>Process Hosts: Win32 Services</a:t>
+            </a:r>
+          </a:p>
+        </p:txBody>
+      </p:sp>
+      <p:sp>
+        <p:nvSpPr>
+          <p:cNvPr id="4" name="Text Placeholder 3">
+            <a:extLst>
+              <a:ext uri="{FF2B5EF4-FFF2-40B4-BE49-F238E27FC236}">
+                <a16:creationId xmlns:a16="http://schemas.microsoft.com/office/drawing/2014/main" id="{9D06B719-73B0-85F1-3FE5-DAEC84CFB887}"/>
+              </a:ext>
+            </a:extLst>
+          </p:cNvPr>
+          <p:cNvSpPr>
+            <a:spLocks noGrp="1"/>
+          </p:cNvSpPr>
+          <p:nvPr>
+            <p:ph type="body" sz="quarter" idx="10"/>
+          </p:nvPr>
+        </p:nvSpPr>
+        <p:spPr>
+          <a:xfrm>
+            <a:off x="269239" y="1197322"/>
+            <a:ext cx="11653522" cy="4267130"/>
+          </a:xfrm>
+        </p:spPr>
+        <p:txBody>
+          <a:bodyPr/>
+          <a:lstStyle/>
+          <a:p>
+            <a:pPr marL="457200" indent="-457200">
+              <a:buFontTx/>
+              <a:buChar char="-"/>
+            </a:pPr>
+            <a:r>
+              <a:rPr lang="en-US" dirty="0"/>
+              <a:t>Reliability flag: </a:t>
+            </a:r>
+            <a:r>
+              <a:rPr lang="en-US" dirty="0">
+                <a:hlinkClick r:id="rId3"/>
+              </a:rPr>
+              <a:t>https://tinyurl.com/win32svc-restart</a:t>
+            </a:r>
+            <a:endParaRPr lang="en-US" dirty="0"/>
+          </a:p>
+          <a:p>
+            <a:pPr marL="457200" indent="-457200">
+              <a:buFontTx/>
+              <a:buChar char="-"/>
+            </a:pPr>
+            <a:endParaRPr lang="en-US" dirty="0"/>
+          </a:p>
+          <a:p>
+            <a:pPr marL="457200" indent="-457200">
+              <a:buFontTx/>
+              <a:buChar char="-"/>
+            </a:pPr>
+            <a:r>
+              <a:rPr lang="en-US" dirty="0"/>
+              <a:t>Working directory is not where your exe/</a:t>
+            </a:r>
+            <a:r>
+              <a:rPr lang="en-US" dirty="0" err="1"/>
+              <a:t>dll</a:t>
+            </a:r>
+            <a:r>
+              <a:rPr lang="en-US" dirty="0"/>
+              <a:t> is. </a:t>
+            </a:r>
+            <a:r>
+              <a:rPr lang="en-US" dirty="0">
+                <a:hlinkClick r:id="rId4"/>
+              </a:rPr>
+              <a:t>https://tinyurl.com/win32svc-basics</a:t>
+            </a:r>
+            <a:endParaRPr lang="en-US" dirty="0"/>
+          </a:p>
+          <a:p>
+            <a:pPr marL="457200" indent="-457200">
+              <a:buFontTx/>
+              <a:buChar char="-"/>
+            </a:pPr>
+            <a:endParaRPr lang="en-US" dirty="0"/>
+          </a:p>
+          <a:p>
+            <a:pPr marL="457200" indent="-457200">
+              <a:buFontTx/>
+              <a:buChar char="-"/>
+            </a:pPr>
+            <a:r>
+              <a:rPr lang="en-US" dirty="0"/>
+              <a:t>No redirected network drives; use UNC paths instead. </a:t>
+            </a:r>
+            <a:r>
+              <a:rPr lang="en-US" dirty="0">
+                <a:hlinkClick r:id="rId5"/>
+              </a:rPr>
+              <a:t>https://tinyurl.com/win32svc-network</a:t>
+            </a:r>
+            <a:endParaRPr lang="en-US" dirty="0"/>
+          </a:p>
+          <a:p>
+            <a:pPr marL="457200" indent="-457200">
+              <a:buFontTx/>
+              <a:buChar char="-"/>
+            </a:pPr>
+            <a:endParaRPr lang="en-US" dirty="0"/>
+          </a:p>
+        </p:txBody>
+      </p:sp>
+    </p:spTree>
+    <p:extLst>
+      <p:ext uri="{BB962C8B-B14F-4D97-AF65-F5344CB8AC3E}">
+        <p14:creationId xmlns:p14="http://schemas.microsoft.com/office/powerpoint/2010/main" val="3736401840"/>
+      </p:ext>
+    </p:extLst>
+  </p:cSld>
+  <p:clrMapOvr>
+    <a:masterClrMapping/>
+  </p:clrMapOvr>
+  <p:transition>
+    <p:fade/>
+  </p:transition>
+</p:sld>
+</file>
+
+<file path=ppt/slides/slide11.xml><?xml version="1.0" encoding="utf-8"?>
+<p:sld xmlns:a="http://schemas.openxmlformats.org/drawingml/2006/main" xmlns:r="http://schemas.openxmlformats.org/officeDocument/2006/relationships" xmlns:p="http://schemas.openxmlformats.org/presentationml/2006/main">
+  <p:cSld>
+    <p:spTree>
+      <p:nvGrpSpPr>
+        <p:cNvPr id="1" name="">
+          <a:extLst>
+            <a:ext uri="{FF2B5EF4-FFF2-40B4-BE49-F238E27FC236}">
               <a16:creationId xmlns:a16="http://schemas.microsoft.com/office/drawing/2014/main" id="{35E6563D-2000-FA05-3C8A-B73DF9A3054F}"/>
             </a:ext>
           </a:extLst>
@@ -4840,6 +5123,53 @@
           </a:p>
         </p:txBody>
       </p:sp>
+      <p:pic>
+        <p:nvPicPr>
+          <p:cNvPr id="3074" name="Picture 2">
+            <a:extLst>
+              <a:ext uri="{FF2B5EF4-FFF2-40B4-BE49-F238E27FC236}">
+                <a16:creationId xmlns:a16="http://schemas.microsoft.com/office/drawing/2014/main" id="{F07BBBF5-21DF-B065-BE7D-D6C36E96CF51}"/>
+              </a:ext>
+            </a:extLst>
+          </p:cNvPr>
+          <p:cNvPicPr>
+            <a:picLocks noChangeAspect="1" noChangeArrowheads="1"/>
+          </p:cNvPicPr>
+          <p:nvPr/>
+        </p:nvPicPr>
+        <p:blipFill>
+          <a:blip r:embed="rId4">
+            <a:extLst>
+              <a:ext uri="{28A0092B-C50C-407E-A947-70E740481C1C}">
+                <a14:useLocalDpi xmlns:a14="http://schemas.microsoft.com/office/drawing/2010/main" val="0"/>
+              </a:ext>
+            </a:extLst>
+          </a:blip>
+          <a:srcRect/>
+          <a:stretch>
+            <a:fillRect/>
+          </a:stretch>
+        </p:blipFill>
+        <p:spPr bwMode="auto">
+          <a:xfrm>
+            <a:off x="4476235" y="2684527"/>
+            <a:ext cx="3239529" cy="3239529"/>
+          </a:xfrm>
+          <a:prstGeom prst="rect">
+            <a:avLst/>
+          </a:prstGeom>
+          <a:noFill/>
+          <a:extLst>
+            <a:ext uri="{909E8E84-426E-40DD-AFC4-6F175D3DCCD1}">
+              <a14:hiddenFill xmlns:a14="http://schemas.microsoft.com/office/drawing/2010/main">
+                <a:solidFill>
+                  <a:srgbClr val="FFFFFF"/>
+                </a:solidFill>
+              </a14:hiddenFill>
+            </a:ext>
+          </a:extLst>
+        </p:spPr>
+      </p:pic>
     </p:spTree>
     <p:extLst>
       <p:ext uri="{BB962C8B-B14F-4D97-AF65-F5344CB8AC3E}">
@@ -4856,7 +5186,7 @@
 </p:sld>
 </file>
 
-<file path=ppt/slides/slide11.xml><?xml version="1.0" encoding="utf-8"?>
+<file path=ppt/slides/slide12.xml><?xml version="1.0" encoding="utf-8"?>
 <p:sld xmlns:a="http://schemas.openxmlformats.org/drawingml/2006/main" xmlns:r="http://schemas.openxmlformats.org/officeDocument/2006/relationships" xmlns:p="http://schemas.openxmlformats.org/presentationml/2006/main">
   <p:cSld>
     <p:spTree>
@@ -4990,7 +5320,7 @@
 </p:sld>
 </file>
 
-<file path=ppt/slides/slide12.xml><?xml version="1.0" encoding="utf-8"?>
+<file path=ppt/slides/slide13.xml><?xml version="1.0" encoding="utf-8"?>
 <p:sld xmlns:a="http://schemas.openxmlformats.org/drawingml/2006/main" xmlns:r="http://schemas.openxmlformats.org/officeDocument/2006/relationships" xmlns:p="http://schemas.openxmlformats.org/presentationml/2006/main">
   <p:cSld>
     <p:spTree>
@@ -5058,7 +5388,7 @@
 </p:sld>
 </file>
 
-<file path=ppt/slides/slide13.xml><?xml version="1.0" encoding="utf-8"?>
+<file path=ppt/slides/slide14.xml><?xml version="1.0" encoding="utf-8"?>
 <p:sld xmlns:a="http://schemas.openxmlformats.org/drawingml/2006/main" xmlns:r="http://schemas.openxmlformats.org/officeDocument/2006/relationships" xmlns:p="http://schemas.openxmlformats.org/presentationml/2006/main">
   <p:cSld>
     <p:spTree>
@@ -5132,7 +5462,7 @@
 </p:sld>
 </file>
 
-<file path=ppt/slides/slide14.xml><?xml version="1.0" encoding="utf-8"?>
+<file path=ppt/slides/slide15.xml><?xml version="1.0" encoding="utf-8"?>
 <p:sld xmlns:a="http://schemas.openxmlformats.org/drawingml/2006/main" xmlns:r="http://schemas.openxmlformats.org/officeDocument/2006/relationships" xmlns:p="http://schemas.openxmlformats.org/presentationml/2006/main">
   <p:cSld>
     <p:spTree>
@@ -5199,7 +5529,7 @@
 </p:sld>
 </file>
 
-<file path=ppt/slides/slide15.xml><?xml version="1.0" encoding="utf-8"?>
+<file path=ppt/slides/slide16.xml><?xml version="1.0" encoding="utf-8"?>
 <p:sld xmlns:a="http://schemas.openxmlformats.org/drawingml/2006/main" xmlns:r="http://schemas.openxmlformats.org/officeDocument/2006/relationships" xmlns:p="http://schemas.openxmlformats.org/presentationml/2006/main">
   <p:cSld>
     <p:spTree>
@@ -5269,7 +5599,7 @@
         <p:spPr>
           <a:xfrm>
             <a:off x="269239" y="1197322"/>
-            <a:ext cx="11653522" cy="3176254"/>
+            <a:ext cx="11653522" cy="2375137"/>
           </a:xfrm>
         </p:spPr>
         <p:txBody>
@@ -5295,9 +5625,9 @@
             </a:pPr>
             <a:r>
               <a:rPr lang="en-US" dirty="0">
-                <a:hlinkClick r:id="rId3"/>
+                <a:hlinkClick r:id="rId4"/>
               </a:rPr>
-              <a:t>https://blog.stephencleary.com/2020/06/backgroundservice-gotcha-application-lifetime.html</a:t>
+              <a:t>https://tinyurl.com/backgroundservice-lifetime</a:t>
             </a:r>
             <a:endParaRPr lang="en-US" dirty="0"/>
           </a:p>
@@ -5318,14 +5648,14 @@
             </a:pPr>
             <a:r>
               <a:rPr lang="en-US" dirty="0">
-                <a:hlinkClick r:id="rId4"/>
+                <a:hlinkClick r:id="rId5"/>
               </a:rPr>
-              <a:t>https://andrewlock.net/introducing-ihostlifetime-and-untangling-the-generic-host-startup-interactions/</a:t>
+              <a:t>https://tinyurl.com/ihostlifetime</a:t>
             </a:r>
             <a:endParaRPr lang="en-US" dirty="0"/>
           </a:p>
           <a:p>
-            <a:pPr marL="457200" indent="-457200">
+            <a:pPr marL="796926" lvl="1" indent="-457200">
               <a:buFontTx/>
               <a:buChar char="-"/>
             </a:pPr>
@@ -5349,7 +5679,7 @@
 </p:sld>
 </file>
 
-<file path=ppt/slides/slide16.xml><?xml version="1.0" encoding="utf-8"?>
+<file path=ppt/slides/slide17.xml><?xml version="1.0" encoding="utf-8"?>
 <p:sld xmlns:a="http://schemas.openxmlformats.org/drawingml/2006/main" xmlns:r="http://schemas.openxmlformats.org/officeDocument/2006/relationships" xmlns:p="http://schemas.openxmlformats.org/presentationml/2006/main">
   <p:cSld>
     <p:spTree>
@@ -5419,7 +5749,7 @@
         <p:spPr>
           <a:xfrm>
             <a:off x="269239" y="1197321"/>
-            <a:ext cx="7045961" cy="4659781"/>
+            <a:ext cx="7045961" cy="3520323"/>
           </a:xfrm>
         </p:spPr>
         <p:txBody>
@@ -5438,8 +5768,15 @@
               <a:rPr lang="en-US" dirty="0">
                 <a:hlinkClick r:id="rId3"/>
               </a:rPr>
-              <a:t>https://blog.stephencleary.com/2020/05/backgroundservice-gotcha-startup.html</a:t>
-            </a:r>
+              <a:t>https://tinyurl.com/backgroundservice-startup</a:t>
+            </a:r>
+            <a:endParaRPr lang="en-US" dirty="0"/>
+          </a:p>
+          <a:p>
+            <a:pPr marL="457200" indent="-457200">
+              <a:buFontTx/>
+              <a:buChar char="-"/>
+            </a:pPr>
             <a:endParaRPr lang="en-US" dirty="0"/>
           </a:p>
           <a:p>
@@ -5517,7 +5854,7 @@
 </p:sld>
 </file>
 
-<file path=ppt/slides/slide17.xml><?xml version="1.0" encoding="utf-8"?>
+<file path=ppt/slides/slide18.xml><?xml version="1.0" encoding="utf-8"?>
 <p:sld xmlns:a="http://schemas.openxmlformats.org/drawingml/2006/main" xmlns:r="http://schemas.openxmlformats.org/officeDocument/2006/relationships" xmlns:p="http://schemas.openxmlformats.org/presentationml/2006/main">
   <p:cSld>
     <p:spTree>
@@ -5587,7 +5924,7 @@
         <p:spPr>
           <a:xfrm>
             <a:off x="269239" y="1197322"/>
-            <a:ext cx="11653522" cy="1528880"/>
+            <a:ext cx="11653522" cy="1180388"/>
           </a:xfrm>
         </p:spPr>
         <p:txBody>
@@ -5606,8 +5943,15 @@
               <a:rPr lang="en-US" dirty="0">
                 <a:hlinkClick r:id="rId3"/>
               </a:rPr>
-              <a:t>https://blog.stephencleary.com/2020/05/backgroundservice-gotcha-silent-failure.html</a:t>
-            </a:r>
+              <a:t>https://tinyurl.com/backgroundservice-failure</a:t>
+            </a:r>
+            <a:endParaRPr lang="en-US" dirty="0"/>
+          </a:p>
+          <a:p>
+            <a:pPr marL="457200" indent="-457200">
+              <a:buFontTx/>
+              <a:buChar char="-"/>
+            </a:pPr>
             <a:endParaRPr lang="en-US" dirty="0"/>
           </a:p>
         </p:txBody>
@@ -5628,7 +5972,7 @@
 </p:sld>
 </file>
 
-<file path=ppt/slides/slide18.xml><?xml version="1.0" encoding="utf-8"?>
+<file path=ppt/slides/slide19.xml><?xml version="1.0" encoding="utf-8"?>
 <p:sld xmlns:a="http://schemas.openxmlformats.org/drawingml/2006/main" xmlns:r="http://schemas.openxmlformats.org/officeDocument/2006/relationships" xmlns:p="http://schemas.openxmlformats.org/presentationml/2006/main">
   <p:cSld>
     <p:spTree>
@@ -5702,7 +6046,96 @@
 </p:sld>
 </file>
 
-<file path=ppt/slides/slide19.xml><?xml version="1.0" encoding="utf-8"?>
+<file path=ppt/slides/slide2.xml><?xml version="1.0" encoding="utf-8"?>
+<p:sld xmlns:a="http://schemas.openxmlformats.org/drawingml/2006/main" xmlns:r="http://schemas.openxmlformats.org/officeDocument/2006/relationships" xmlns:p="http://schemas.openxmlformats.org/presentationml/2006/main">
+  <p:cSld>
+    <p:spTree>
+      <p:nvGrpSpPr>
+        <p:cNvPr id="1" name=""/>
+        <p:cNvGrpSpPr/>
+        <p:nvPr/>
+      </p:nvGrpSpPr>
+      <p:grpSpPr>
+        <a:xfrm>
+          <a:off x="0" y="0"/>
+          <a:ext cx="0" cy="0"/>
+          <a:chOff x="0" y="0"/>
+          <a:chExt cx="0" cy="0"/>
+        </a:xfrm>
+      </p:grpSpPr>
+      <p:sp>
+        <p:nvSpPr>
+          <p:cNvPr id="4" name="Title 3"/>
+          <p:cNvSpPr>
+            <a:spLocks noGrp="1"/>
+          </p:cNvSpPr>
+          <p:nvPr>
+            <p:ph type="title"/>
+          </p:nvPr>
+        </p:nvSpPr>
+        <p:spPr/>
+        <p:txBody>
+          <a:bodyPr/>
+          <a:lstStyle/>
+          <a:p>
+            <a:r>
+              <a:rPr lang="en-US" dirty="0"/>
+              <a:t>Who is this guy?</a:t>
+            </a:r>
+          </a:p>
+        </p:txBody>
+      </p:sp>
+      <p:pic>
+        <p:nvPicPr>
+          <p:cNvPr id="2" name="Picture 1">
+            <a:extLst>
+              <a:ext uri="{FF2B5EF4-FFF2-40B4-BE49-F238E27FC236}">
+                <a16:creationId xmlns:a16="http://schemas.microsoft.com/office/drawing/2014/main" id="{00CDCFC3-CD75-B212-BFAF-4E97A3FEA9A9}"/>
+              </a:ext>
+            </a:extLst>
+          </p:cNvPr>
+          <p:cNvPicPr/>
+          <p:nvPr/>
+        </p:nvPicPr>
+        <p:blipFill>
+          <a:blip r:embed="rId3" cstate="print">
+            <a:extLst>
+              <a:ext uri="{28A0092B-C50C-407E-A947-70E740481C1C}">
+                <a14:useLocalDpi xmlns:a14="http://schemas.microsoft.com/office/drawing/2010/main" val="0"/>
+              </a:ext>
+            </a:extLst>
+          </a:blip>
+          <a:stretch>
+            <a:fillRect/>
+          </a:stretch>
+        </p:blipFill>
+        <p:spPr>
+          <a:xfrm>
+            <a:off x="4378007" y="4201227"/>
+            <a:ext cx="3435985" cy="1389380"/>
+          </a:xfrm>
+          <a:prstGeom prst="rect">
+            <a:avLst/>
+          </a:prstGeom>
+        </p:spPr>
+      </p:pic>
+    </p:spTree>
+    <p:extLst>
+      <p:ext uri="{BB962C8B-B14F-4D97-AF65-F5344CB8AC3E}">
+        <p14:creationId xmlns:p14="http://schemas.microsoft.com/office/powerpoint/2010/main" val="223290894"/>
+      </p:ext>
+    </p:extLst>
+  </p:cSld>
+  <p:clrMapOvr>
+    <a:masterClrMapping/>
+  </p:clrMapOvr>
+  <p:transition>
+    <p:fade/>
+  </p:transition>
+</p:sld>
+</file>
+
+<file path=ppt/slides/slide20.xml><?xml version="1.0" encoding="utf-8"?>
 <p:sld xmlns:a="http://schemas.openxmlformats.org/drawingml/2006/main" xmlns:r="http://schemas.openxmlformats.org/officeDocument/2006/relationships" xmlns:p="http://schemas.openxmlformats.org/presentationml/2006/main">
   <p:cSld>
     <p:spTree>
@@ -5816,62 +6249,7 @@
 </p:sld>
 </file>
 
-<file path=ppt/slides/slide2.xml><?xml version="1.0" encoding="utf-8"?>
-<p:sld xmlns:a="http://schemas.openxmlformats.org/drawingml/2006/main" xmlns:r="http://schemas.openxmlformats.org/officeDocument/2006/relationships" xmlns:p="http://schemas.openxmlformats.org/presentationml/2006/main">
-  <p:cSld>
-    <p:spTree>
-      <p:nvGrpSpPr>
-        <p:cNvPr id="1" name=""/>
-        <p:cNvGrpSpPr/>
-        <p:nvPr/>
-      </p:nvGrpSpPr>
-      <p:grpSpPr>
-        <a:xfrm>
-          <a:off x="0" y="0"/>
-          <a:ext cx="0" cy="0"/>
-          <a:chOff x="0" y="0"/>
-          <a:chExt cx="0" cy="0"/>
-        </a:xfrm>
-      </p:grpSpPr>
-      <p:sp>
-        <p:nvSpPr>
-          <p:cNvPr id="4" name="Title 3"/>
-          <p:cNvSpPr>
-            <a:spLocks noGrp="1"/>
-          </p:cNvSpPr>
-          <p:nvPr>
-            <p:ph type="title"/>
-          </p:nvPr>
-        </p:nvSpPr>
-        <p:spPr/>
-        <p:txBody>
-          <a:bodyPr/>
-          <a:lstStyle/>
-          <a:p>
-            <a:r>
-              <a:rPr lang="en-US" dirty="0"/>
-              <a:t>Who is this guy?</a:t>
-            </a:r>
-          </a:p>
-        </p:txBody>
-      </p:sp>
-    </p:spTree>
-    <p:extLst>
-      <p:ext uri="{BB962C8B-B14F-4D97-AF65-F5344CB8AC3E}">
-        <p14:creationId xmlns:p14="http://schemas.microsoft.com/office/powerpoint/2010/main" val="223290894"/>
-      </p:ext>
-    </p:extLst>
-  </p:cSld>
-  <p:clrMapOvr>
-    <a:masterClrMapping/>
-  </p:clrMapOvr>
-  <p:transition>
-    <p:fade/>
-  </p:transition>
-</p:sld>
-</file>
-
-<file path=ppt/slides/slide20.xml><?xml version="1.0" encoding="utf-8"?>
+<file path=ppt/slides/slide21.xml><?xml version="1.0" encoding="utf-8"?>
 <p:sld xmlns:a="http://schemas.openxmlformats.org/drawingml/2006/main" xmlns:r="http://schemas.openxmlformats.org/officeDocument/2006/relationships" xmlns:p="http://schemas.openxmlformats.org/presentationml/2006/main">
   <p:cSld>
     <p:spTree>
@@ -5941,7 +6319,7 @@
         <p:spPr>
           <a:xfrm>
             <a:off x="269239" y="1197322"/>
-            <a:ext cx="11653522" cy="3895938"/>
+            <a:ext cx="11653522" cy="3570080"/>
           </a:xfrm>
         </p:spPr>
         <p:txBody>
@@ -5990,7 +6368,7 @@
               <a:rPr lang="en-US" dirty="0">
                 <a:hlinkClick r:id="rId3"/>
               </a:rPr>
-              <a:t>https://blog.stephencleary.com/2021/01/asynchronous-messaging-2-durable-queues.html</a:t>
+              <a:t>https://tinyurl.com/durable-queues</a:t>
             </a:r>
             <a:endParaRPr lang="en-US" dirty="0"/>
           </a:p>
@@ -6021,6 +6399,53 @@
           </a:p>
         </p:txBody>
       </p:sp>
+      <p:pic>
+        <p:nvPicPr>
+          <p:cNvPr id="4098" name="Picture 2">
+            <a:extLst>
+              <a:ext uri="{FF2B5EF4-FFF2-40B4-BE49-F238E27FC236}">
+                <a16:creationId xmlns:a16="http://schemas.microsoft.com/office/drawing/2014/main" id="{F835D5EE-B332-1C8E-9330-9DF4E7B3F13F}"/>
+              </a:ext>
+            </a:extLst>
+          </p:cNvPr>
+          <p:cNvPicPr>
+            <a:picLocks noChangeAspect="1" noChangeArrowheads="1"/>
+          </p:cNvPicPr>
+          <p:nvPr/>
+        </p:nvPicPr>
+        <p:blipFill>
+          <a:blip r:embed="rId5">
+            <a:extLst>
+              <a:ext uri="{28A0092B-C50C-407E-A947-70E740481C1C}">
+                <a14:useLocalDpi xmlns:a14="http://schemas.microsoft.com/office/drawing/2010/main" val="0"/>
+              </a:ext>
+            </a:extLst>
+          </a:blip>
+          <a:srcRect/>
+          <a:stretch>
+            <a:fillRect/>
+          </a:stretch>
+        </p:blipFill>
+        <p:spPr bwMode="auto">
+          <a:xfrm>
+            <a:off x="3966391" y="4767402"/>
+            <a:ext cx="3966648" cy="1925235"/>
+          </a:xfrm>
+          <a:prstGeom prst="rect">
+            <a:avLst/>
+          </a:prstGeom>
+          <a:noFill/>
+          <a:extLst>
+            <a:ext uri="{909E8E84-426E-40DD-AFC4-6F175D3DCCD1}">
+              <a14:hiddenFill xmlns:a14="http://schemas.microsoft.com/office/drawing/2010/main">
+                <a:solidFill>
+                  <a:srgbClr val="FFFFFF"/>
+                </a:solidFill>
+              </a14:hiddenFill>
+            </a:ext>
+          </a:extLst>
+        </p:spPr>
+      </p:pic>
     </p:spTree>
     <p:extLst>
       <p:ext uri="{BB962C8B-B14F-4D97-AF65-F5344CB8AC3E}">
@@ -6037,7 +6462,7 @@
 </p:sld>
 </file>
 
-<file path=ppt/slides/slide21.xml><?xml version="1.0" encoding="utf-8"?>
+<file path=ppt/slides/slide22.xml><?xml version="1.0" encoding="utf-8"?>
 <p:sld xmlns:a="http://schemas.openxmlformats.org/drawingml/2006/main" xmlns:r="http://schemas.openxmlformats.org/officeDocument/2006/relationships" xmlns:p="http://schemas.openxmlformats.org/presentationml/2006/main">
   <p:cSld>
     <p:spTree>
@@ -6160,7 +6585,7 @@
               <a:rPr lang="en-US" dirty="0">
                 <a:hlinkClick r:id="rId3"/>
               </a:rPr>
-              <a:t>https://gist.github.com/StephenCleary/9777f2dcb9834a05efb261cc36839b3c</a:t>
+              <a:t>https://tinyurl.com/distributed-lease</a:t>
             </a:r>
             <a:endParaRPr lang="en-US" dirty="0"/>
           </a:p>
@@ -6189,7 +6614,7 @@
 </p:sld>
 </file>
 
-<file path=ppt/slides/slide22.xml><?xml version="1.0" encoding="utf-8"?>
+<file path=ppt/slides/slide23.xml><?xml version="1.0" encoding="utf-8"?>
 <p:sld xmlns:a="http://schemas.openxmlformats.org/drawingml/2006/main" xmlns:r="http://schemas.openxmlformats.org/officeDocument/2006/relationships" xmlns:p="http://schemas.openxmlformats.org/presentationml/2006/main">
   <p:cSld>
     <p:spTree>
@@ -6256,7 +6681,7 @@
 </p:sld>
 </file>
 
-<file path=ppt/slides/slide23.xml><?xml version="1.0" encoding="utf-8"?>
+<file path=ppt/slides/slide24.xml><?xml version="1.0" encoding="utf-8"?>
 <p:sld xmlns:a="http://schemas.openxmlformats.org/drawingml/2006/main" xmlns:r="http://schemas.openxmlformats.org/officeDocument/2006/relationships" xmlns:p="http://schemas.openxmlformats.org/presentationml/2006/main">
   <p:cSld>
     <p:spTree>
@@ -6326,7 +6751,7 @@
         <p:spPr>
           <a:xfrm>
             <a:off x="269239" y="1197322"/>
-            <a:ext cx="11653522" cy="3972754"/>
+            <a:ext cx="8590556" cy="3972754"/>
           </a:xfrm>
         </p:spPr>
         <p:txBody>
@@ -6430,6 +6855,53 @@
           </a:p>
         </p:txBody>
       </p:sp>
+      <p:pic>
+        <p:nvPicPr>
+          <p:cNvPr id="5122" name="Picture 2">
+            <a:extLst>
+              <a:ext uri="{FF2B5EF4-FFF2-40B4-BE49-F238E27FC236}">
+                <a16:creationId xmlns:a16="http://schemas.microsoft.com/office/drawing/2014/main" id="{96A8233D-99F9-942B-31A9-15309BF589B0}"/>
+              </a:ext>
+            </a:extLst>
+          </p:cNvPr>
+          <p:cNvPicPr>
+            <a:picLocks noChangeAspect="1" noChangeArrowheads="1"/>
+          </p:cNvPicPr>
+          <p:nvPr/>
+        </p:nvPicPr>
+        <p:blipFill>
+          <a:blip r:embed="rId5">
+            <a:extLst>
+              <a:ext uri="{28A0092B-C50C-407E-A947-70E740481C1C}">
+                <a14:useLocalDpi xmlns:a14="http://schemas.microsoft.com/office/drawing/2010/main" val="0"/>
+              </a:ext>
+            </a:extLst>
+          </a:blip>
+          <a:srcRect/>
+          <a:stretch>
+            <a:fillRect/>
+          </a:stretch>
+        </p:blipFill>
+        <p:spPr bwMode="auto">
+          <a:xfrm>
+            <a:off x="8348404" y="1077579"/>
+            <a:ext cx="3364408" cy="4212239"/>
+          </a:xfrm>
+          <a:prstGeom prst="rect">
+            <a:avLst/>
+          </a:prstGeom>
+          <a:noFill/>
+          <a:extLst>
+            <a:ext uri="{909E8E84-426E-40DD-AFC4-6F175D3DCCD1}">
+              <a14:hiddenFill xmlns:a14="http://schemas.microsoft.com/office/drawing/2010/main">
+                <a:solidFill>
+                  <a:srgbClr val="FFFFFF"/>
+                </a:solidFill>
+              </a14:hiddenFill>
+            </a:ext>
+          </a:extLst>
+        </p:spPr>
+      </p:pic>
     </p:spTree>
     <p:extLst>
       <p:ext uri="{BB962C8B-B14F-4D97-AF65-F5344CB8AC3E}">
@@ -6446,7 +6918,7 @@
 </p:sld>
 </file>
 
-<file path=ppt/slides/slide24.xml><?xml version="1.0" encoding="utf-8"?>
+<file path=ppt/slides/slide25.xml><?xml version="1.0" encoding="utf-8"?>
 <p:sld xmlns:a="http://schemas.openxmlformats.org/drawingml/2006/main" xmlns:r="http://schemas.openxmlformats.org/officeDocument/2006/relationships" xmlns:p="http://schemas.openxmlformats.org/presentationml/2006/main">
   <p:cSld>
     <p:spTree>
@@ -6520,7 +6992,7 @@
 </p:sld>
 </file>
 
-<file path=ppt/slides/slide25.xml><?xml version="1.0" encoding="utf-8"?>
+<file path=ppt/slides/slide26.xml><?xml version="1.0" encoding="utf-8"?>
 <p:sld xmlns:a="http://schemas.openxmlformats.org/drawingml/2006/main" xmlns:r="http://schemas.openxmlformats.org/officeDocument/2006/relationships" xmlns:p="http://schemas.openxmlformats.org/presentationml/2006/main">
   <p:cSld>
     <p:spTree>
@@ -6762,7 +7234,7 @@
         <p:spPr>
           <a:xfrm>
             <a:off x="269239" y="1197322"/>
-            <a:ext cx="11653522" cy="4665188"/>
+            <a:ext cx="11653522" cy="1976888"/>
           </a:xfrm>
         </p:spPr>
         <p:txBody>
@@ -6808,76 +7280,101 @@
               <a:t>Tend to run in Docker containers, on VMs, or on on-prem hardware.</a:t>
             </a:r>
           </a:p>
-          <a:p>
-            <a:pPr marL="457200" indent="-457200">
-              <a:buFontTx/>
-              <a:buChar char="-"/>
-            </a:pPr>
-            <a:r>
-              <a:rPr lang="en-US" dirty="0"/>
-              <a:t>Non-examples: could-native queue processors</a:t>
-            </a:r>
-          </a:p>
-          <a:p>
-            <a:pPr marL="796926" lvl="1" indent="-457200">
-              <a:buFontTx/>
-              <a:buChar char="-"/>
-            </a:pPr>
-            <a:r>
-              <a:rPr lang="en-US" dirty="0"/>
-              <a:t>Azure Function / AWS Lambda / Google Cloud Function</a:t>
-            </a:r>
-          </a:p>
-          <a:p>
-            <a:pPr marL="796926" lvl="1" indent="-457200">
-              <a:buFontTx/>
-              <a:buChar char="-"/>
-            </a:pPr>
-            <a:r>
-              <a:rPr lang="en-US" dirty="0"/>
-              <a:t>These provide their own hosting system.</a:t>
-            </a:r>
-          </a:p>
-          <a:p>
-            <a:pPr marL="457200" indent="-457200">
-              <a:buFontTx/>
-              <a:buChar char="-"/>
-            </a:pPr>
-            <a:r>
-              <a:rPr lang="en-US" dirty="0"/>
-              <a:t>Non-examples: Mobile/</a:t>
-            </a:r>
-            <a:r>
-              <a:rPr lang="en-US" dirty="0" err="1"/>
-              <a:t>StoreApp</a:t>
-            </a:r>
-            <a:r>
-              <a:rPr lang="en-US" dirty="0"/>
-              <a:t> "background jobs“</a:t>
-            </a:r>
-          </a:p>
-          <a:p>
-            <a:pPr marL="796926" lvl="1" indent="-457200">
-              <a:buFontTx/>
-              <a:buChar char="-"/>
-            </a:pPr>
-            <a:r>
-              <a:rPr lang="en-US" dirty="0"/>
-              <a:t>iOS Background Tasks / Android Task Scheduling / UWP Background Tasks</a:t>
-            </a:r>
-          </a:p>
-          <a:p>
-            <a:pPr marL="796926" lvl="1" indent="-457200">
-              <a:buFontTx/>
-              <a:buChar char="-"/>
-            </a:pPr>
-            <a:r>
-              <a:rPr lang="en-US" dirty="0"/>
-              <a:t>Again, a different custom hosting situation.</a:t>
-            </a:r>
-          </a:p>
-        </p:txBody>
-      </p:sp>
+        </p:txBody>
+      </p:sp>
+      <p:grpSp>
+        <p:nvGrpSpPr>
+          <p:cNvPr id="14" name="Group 13">
+            <a:extLst>
+              <a:ext uri="{FF2B5EF4-FFF2-40B4-BE49-F238E27FC236}">
+                <a16:creationId xmlns:a16="http://schemas.microsoft.com/office/drawing/2014/main" id="{33B45780-2A6D-DC9C-3D78-E08DC720FAF0}"/>
+              </a:ext>
+            </a:extLst>
+          </p:cNvPr>
+          <p:cNvGrpSpPr/>
+          <p:nvPr/>
+        </p:nvGrpSpPr>
+        <p:grpSpPr>
+          <a:xfrm>
+            <a:off x="2291065" y="3315658"/>
+            <a:ext cx="7609870" cy="2345020"/>
+            <a:chOff x="2120818" y="3315658"/>
+            <a:chExt cx="7609870" cy="2345020"/>
+          </a:xfrm>
+        </p:grpSpPr>
+        <p:pic>
+          <p:nvPicPr>
+            <p:cNvPr id="11" name="Picture 10" descr="A piece of fabric with a pattern&#10;&#10;AI-generated content may be incorrect.">
+              <a:extLst>
+                <a:ext uri="{FF2B5EF4-FFF2-40B4-BE49-F238E27FC236}">
+                  <a16:creationId xmlns:a16="http://schemas.microsoft.com/office/drawing/2014/main" id="{0EF49EA4-71A5-E03A-754D-CFAC44111966}"/>
+                </a:ext>
+              </a:extLst>
+            </p:cNvPr>
+            <p:cNvPicPr>
+              <a:picLocks noChangeAspect="1"/>
+            </p:cNvPicPr>
+            <p:nvPr/>
+          </p:nvPicPr>
+          <p:blipFill>
+            <a:blip r:embed="rId3">
+              <a:extLst>
+                <a:ext uri="{28A0092B-C50C-407E-A947-70E740481C1C}">
+                  <a14:useLocalDpi xmlns:a14="http://schemas.microsoft.com/office/drawing/2010/main" val="0"/>
+                </a:ext>
+              </a:extLst>
+            </a:blip>
+            <a:stretch>
+              <a:fillRect/>
+            </a:stretch>
+          </p:blipFill>
+          <p:spPr>
+            <a:xfrm>
+              <a:off x="2120818" y="3315658"/>
+              <a:ext cx="3037870" cy="2297389"/>
+            </a:xfrm>
+            <a:prstGeom prst="rect">
+              <a:avLst/>
+            </a:prstGeom>
+          </p:spPr>
+        </p:pic>
+        <p:pic>
+          <p:nvPicPr>
+            <p:cNvPr id="13" name="Picture 12" descr="A piece of fabric with blue and red threads&#10;&#10;AI-generated content may be incorrect.">
+              <a:extLst>
+                <a:ext uri="{FF2B5EF4-FFF2-40B4-BE49-F238E27FC236}">
+                  <a16:creationId xmlns:a16="http://schemas.microsoft.com/office/drawing/2014/main" id="{2B8F3171-936A-41D9-04E9-BC195B14499B}"/>
+                </a:ext>
+              </a:extLst>
+            </p:cNvPr>
+            <p:cNvPicPr>
+              <a:picLocks noChangeAspect="1"/>
+            </p:cNvPicPr>
+            <p:nvPr/>
+          </p:nvPicPr>
+          <p:blipFill>
+            <a:blip r:embed="rId4">
+              <a:extLst>
+                <a:ext uri="{28A0092B-C50C-407E-A947-70E740481C1C}">
+                  <a14:useLocalDpi xmlns:a14="http://schemas.microsoft.com/office/drawing/2010/main" val="0"/>
+                </a:ext>
+              </a:extLst>
+            </a:blip>
+            <a:stretch>
+              <a:fillRect/>
+            </a:stretch>
+          </p:blipFill>
+          <p:spPr>
+            <a:xfrm>
+              <a:off x="6692818" y="3315822"/>
+              <a:ext cx="3037870" cy="2344856"/>
+            </a:xfrm>
+            <a:prstGeom prst="rect">
+              <a:avLst/>
+            </a:prstGeom>
+          </p:spPr>
+        </p:pic>
+      </p:grpSp>
     </p:spTree>
     <p:extLst>
       <p:ext uri="{BB962C8B-B14F-4D97-AF65-F5344CB8AC3E}">
@@ -6902,6 +7399,466 @@
         <p:cNvPr id="1" name="">
           <a:extLst>
             <a:ext uri="{FF2B5EF4-FFF2-40B4-BE49-F238E27FC236}">
+              <a16:creationId xmlns:a16="http://schemas.microsoft.com/office/drawing/2014/main" id="{350C2558-D1E2-0D8A-2C65-26F5FCEE7DE0}"/>
+            </a:ext>
+          </a:extLst>
+        </p:cNvPr>
+        <p:cNvGrpSpPr/>
+        <p:nvPr/>
+      </p:nvGrpSpPr>
+      <p:grpSpPr>
+        <a:xfrm>
+          <a:off x="0" y="0"/>
+          <a:ext cx="0" cy="0"/>
+          <a:chOff x="0" y="0"/>
+          <a:chExt cx="0" cy="0"/>
+        </a:xfrm>
+      </p:grpSpPr>
+      <p:sp>
+        <p:nvSpPr>
+          <p:cNvPr id="3" name="Title 2">
+            <a:extLst>
+              <a:ext uri="{FF2B5EF4-FFF2-40B4-BE49-F238E27FC236}">
+                <a16:creationId xmlns:a16="http://schemas.microsoft.com/office/drawing/2014/main" id="{797E59BB-E285-BC13-29CF-21A2FEBEB2C9}"/>
+              </a:ext>
+            </a:extLst>
+          </p:cNvPr>
+          <p:cNvSpPr>
+            <a:spLocks noGrp="1"/>
+          </p:cNvSpPr>
+          <p:nvPr>
+            <p:ph type="title"/>
+          </p:nvPr>
+        </p:nvSpPr>
+        <p:spPr/>
+        <p:txBody>
+          <a:bodyPr/>
+          <a:lstStyle/>
+          <a:p>
+            <a:r>
+              <a:rPr lang="en-US" dirty="0"/>
+              <a:t>“Background Service” (for this talk)</a:t>
+            </a:r>
+          </a:p>
+        </p:txBody>
+      </p:sp>
+      <p:sp>
+        <p:nvSpPr>
+          <p:cNvPr id="4" name="Text Placeholder 3">
+            <a:extLst>
+              <a:ext uri="{FF2B5EF4-FFF2-40B4-BE49-F238E27FC236}">
+                <a16:creationId xmlns:a16="http://schemas.microsoft.com/office/drawing/2014/main" id="{A1E62C78-90F2-68FC-5BAE-90CDDE58CC6A}"/>
+              </a:ext>
+            </a:extLst>
+          </p:cNvPr>
+          <p:cNvSpPr>
+            <a:spLocks noGrp="1"/>
+          </p:cNvSpPr>
+          <p:nvPr>
+            <p:ph type="body" sz="quarter" idx="10"/>
+          </p:nvPr>
+        </p:nvSpPr>
+        <p:spPr>
+          <a:xfrm>
+            <a:off x="269239" y="1197322"/>
+            <a:ext cx="8244566" cy="1877309"/>
+          </a:xfrm>
+        </p:spPr>
+        <p:txBody>
+          <a:bodyPr/>
+          <a:lstStyle/>
+          <a:p>
+            <a:pPr marL="457200" indent="-457200">
+              <a:buFontTx/>
+              <a:buChar char="-"/>
+            </a:pPr>
+            <a:r>
+              <a:rPr lang="en-US" dirty="0"/>
+              <a:t>Non-examples: could-native queue processors</a:t>
+            </a:r>
+          </a:p>
+          <a:p>
+            <a:pPr marL="796926" lvl="1" indent="-457200">
+              <a:buFontTx/>
+              <a:buChar char="-"/>
+            </a:pPr>
+            <a:r>
+              <a:rPr lang="en-US" dirty="0"/>
+              <a:t>Azure Function / AWS Lambda / Google Cloud Function</a:t>
+            </a:r>
+          </a:p>
+          <a:p>
+            <a:pPr marL="796926" lvl="1" indent="-457200">
+              <a:buFontTx/>
+              <a:buChar char="-"/>
+            </a:pPr>
+            <a:r>
+              <a:rPr lang="en-US" dirty="0"/>
+              <a:t>These provide their own hosting system.</a:t>
+            </a:r>
+          </a:p>
+        </p:txBody>
+      </p:sp>
+      <p:pic>
+        <p:nvPicPr>
+          <p:cNvPr id="1028" name="Picture 4">
+            <a:extLst>
+              <a:ext uri="{FF2B5EF4-FFF2-40B4-BE49-F238E27FC236}">
+                <a16:creationId xmlns:a16="http://schemas.microsoft.com/office/drawing/2014/main" id="{929C9402-3795-A217-1BBB-C9CDBFCDA765}"/>
+              </a:ext>
+            </a:extLst>
+          </p:cNvPr>
+          <p:cNvPicPr>
+            <a:picLocks noChangeAspect="1" noChangeArrowheads="1"/>
+          </p:cNvPicPr>
+          <p:nvPr/>
+        </p:nvPicPr>
+        <p:blipFill>
+          <a:blip r:embed="rId3">
+            <a:extLst>
+              <a:ext uri="{28A0092B-C50C-407E-A947-70E740481C1C}">
+                <a14:useLocalDpi xmlns:a14="http://schemas.microsoft.com/office/drawing/2010/main" val="0"/>
+              </a:ext>
+            </a:extLst>
+          </a:blip>
+          <a:srcRect/>
+          <a:stretch>
+            <a:fillRect/>
+          </a:stretch>
+        </p:blipFill>
+        <p:spPr bwMode="auto">
+          <a:xfrm>
+            <a:off x="8231204" y="1189176"/>
+            <a:ext cx="3382636" cy="2535709"/>
+          </a:xfrm>
+          <a:prstGeom prst="rect">
+            <a:avLst/>
+          </a:prstGeom>
+          <a:noFill/>
+          <a:extLst>
+            <a:ext uri="{909E8E84-426E-40DD-AFC4-6F175D3DCCD1}">
+              <a14:hiddenFill xmlns:a14="http://schemas.microsoft.com/office/drawing/2010/main">
+                <a:solidFill>
+                  <a:srgbClr val="FFFFFF"/>
+                </a:solidFill>
+              </a14:hiddenFill>
+            </a:ext>
+          </a:extLst>
+        </p:spPr>
+      </p:pic>
+      <p:sp>
+        <p:nvSpPr>
+          <p:cNvPr id="2" name="Text Placeholder 3">
+            <a:extLst>
+              <a:ext uri="{FF2B5EF4-FFF2-40B4-BE49-F238E27FC236}">
+                <a16:creationId xmlns:a16="http://schemas.microsoft.com/office/drawing/2014/main" id="{5029B772-26AE-BB30-286F-4EF0E57C0738}"/>
+              </a:ext>
+            </a:extLst>
+          </p:cNvPr>
+          <p:cNvSpPr txBox="1">
+            <a:spLocks/>
+          </p:cNvSpPr>
+          <p:nvPr/>
+        </p:nvSpPr>
+        <p:spPr>
+          <a:xfrm>
+            <a:off x="268080" y="3996733"/>
+            <a:ext cx="11655839" cy="1429237"/>
+          </a:xfrm>
+          <a:prstGeom prst="rect">
+            <a:avLst/>
+          </a:prstGeom>
+        </p:spPr>
+        <p:txBody>
+          <a:bodyPr vert="horz" wrap="square" lIns="146304" tIns="91440" rIns="146304" bIns="91440" rtlCol="0">
+            <a:spAutoFit/>
+          </a:bodyPr>
+          <a:lstStyle>
+            <a:lvl1pPr marL="0" marR="0" indent="0" algn="l" defTabSz="914367" rtl="0" eaLnBrk="1" fontAlgn="auto" latinLnBrk="0" hangingPunct="1">
+              <a:lnSpc>
+                <a:spcPct val="90000"/>
+              </a:lnSpc>
+              <a:spcBef>
+                <a:spcPct val="20000"/>
+              </a:spcBef>
+              <a:spcAft>
+                <a:spcPts val="0"/>
+              </a:spcAft>
+              <a:buClrTx/>
+              <a:buSzPct val="90000"/>
+              <a:buFont typeface="Arial" pitchFamily="34" charset="0"/>
+              <a:buNone/>
+              <a:tabLst/>
+              <a:defRPr sz="3235" kern="1200" spc="0" baseline="0">
+                <a:gradFill>
+                  <a:gsLst>
+                    <a:gs pos="1250">
+                      <a:srgbClr val="000000"/>
+                    </a:gs>
+                    <a:gs pos="100000">
+                      <a:srgbClr val="000000"/>
+                    </a:gs>
+                  </a:gsLst>
+                  <a:lin ang="5400000" scaled="0"/>
+                </a:gradFill>
+                <a:latin typeface="Segoe UI" pitchFamily="34" charset="0"/>
+                <a:ea typeface="+mn-ea"/>
+                <a:cs typeface="Segoe UI" pitchFamily="34" charset="0"/>
+              </a:defRPr>
+            </a:lvl1pPr>
+            <a:lvl2pPr marL="339726" marR="0" indent="0" algn="l" defTabSz="914367" rtl="0" eaLnBrk="1" fontAlgn="auto" latinLnBrk="0" hangingPunct="1">
+              <a:lnSpc>
+                <a:spcPct val="90000"/>
+              </a:lnSpc>
+              <a:spcBef>
+                <a:spcPct val="20000"/>
+              </a:spcBef>
+              <a:spcAft>
+                <a:spcPts val="0"/>
+              </a:spcAft>
+              <a:buClrTx/>
+              <a:buSzPct val="90000"/>
+              <a:buFont typeface="Arial" pitchFamily="34" charset="0"/>
+              <a:buNone/>
+              <a:tabLst/>
+              <a:defRPr sz="2353" kern="1200" spc="0" baseline="0">
+                <a:gradFill>
+                  <a:gsLst>
+                    <a:gs pos="1250">
+                      <a:srgbClr val="000000"/>
+                    </a:gs>
+                    <a:gs pos="100000">
+                      <a:srgbClr val="000000"/>
+                    </a:gs>
+                  </a:gsLst>
+                  <a:lin ang="5400000" scaled="0"/>
+                </a:gradFill>
+                <a:latin typeface="Segoe UI" pitchFamily="34" charset="0"/>
+                <a:ea typeface="+mn-ea"/>
+                <a:cs typeface="Segoe UI" pitchFamily="34" charset="0"/>
+              </a:defRPr>
+            </a:lvl2pPr>
+            <a:lvl3pPr marL="573090" marR="0" indent="0" algn="l" defTabSz="914367" rtl="0" eaLnBrk="1" fontAlgn="auto" latinLnBrk="0" hangingPunct="1">
+              <a:lnSpc>
+                <a:spcPct val="90000"/>
+              </a:lnSpc>
+              <a:spcBef>
+                <a:spcPct val="20000"/>
+              </a:spcBef>
+              <a:spcAft>
+                <a:spcPts val="0"/>
+              </a:spcAft>
+              <a:buClrTx/>
+              <a:buSzPct val="90000"/>
+              <a:buFont typeface="Arial" pitchFamily="34" charset="0"/>
+              <a:buNone/>
+              <a:tabLst/>
+              <a:defRPr sz="1961" kern="1200" spc="0" baseline="0">
+                <a:gradFill>
+                  <a:gsLst>
+                    <a:gs pos="1250">
+                      <a:srgbClr val="000000"/>
+                    </a:gs>
+                    <a:gs pos="100000">
+                      <a:srgbClr val="000000"/>
+                    </a:gs>
+                  </a:gsLst>
+                  <a:lin ang="5400000" scaled="0"/>
+                </a:gradFill>
+                <a:latin typeface="Segoe UI" pitchFamily="34" charset="0"/>
+                <a:ea typeface="+mn-ea"/>
+                <a:cs typeface="Segoe UI" pitchFamily="34" charset="0"/>
+              </a:defRPr>
+            </a:lvl3pPr>
+            <a:lvl4pPr marL="798516" marR="0" indent="0" algn="l" defTabSz="914367" rtl="0" eaLnBrk="1" fontAlgn="auto" latinLnBrk="0" hangingPunct="1">
+              <a:lnSpc>
+                <a:spcPct val="90000"/>
+              </a:lnSpc>
+              <a:spcBef>
+                <a:spcPct val="20000"/>
+              </a:spcBef>
+              <a:spcAft>
+                <a:spcPts val="0"/>
+              </a:spcAft>
+              <a:buClrTx/>
+              <a:buSzPct val="90000"/>
+              <a:buFont typeface="Arial" pitchFamily="34" charset="0"/>
+              <a:buNone/>
+              <a:tabLst/>
+              <a:defRPr sz="1765" kern="1200" spc="0" baseline="0">
+                <a:gradFill>
+                  <a:gsLst>
+                    <a:gs pos="1250">
+                      <a:srgbClr val="000000"/>
+                    </a:gs>
+                    <a:gs pos="100000">
+                      <a:srgbClr val="000000"/>
+                    </a:gs>
+                  </a:gsLst>
+                  <a:lin ang="5400000" scaled="0"/>
+                </a:gradFill>
+                <a:latin typeface="Segoe UI" pitchFamily="34" charset="0"/>
+                <a:ea typeface="+mn-ea"/>
+                <a:cs typeface="Segoe UI" pitchFamily="34" charset="0"/>
+              </a:defRPr>
+            </a:lvl4pPr>
+            <a:lvl5pPr marL="1030292" marR="0" indent="0" algn="l" defTabSz="914367" rtl="0" eaLnBrk="1" fontAlgn="auto" latinLnBrk="0" hangingPunct="1">
+              <a:lnSpc>
+                <a:spcPct val="90000"/>
+              </a:lnSpc>
+              <a:spcBef>
+                <a:spcPct val="20000"/>
+              </a:spcBef>
+              <a:spcAft>
+                <a:spcPts val="0"/>
+              </a:spcAft>
+              <a:buClrTx/>
+              <a:buSzPct val="90000"/>
+              <a:buFont typeface="Arial" pitchFamily="34" charset="0"/>
+              <a:buNone/>
+              <a:tabLst/>
+              <a:defRPr sz="1765" kern="1200" spc="0" baseline="0">
+                <a:gradFill>
+                  <a:gsLst>
+                    <a:gs pos="1250">
+                      <a:srgbClr val="000000"/>
+                    </a:gs>
+                    <a:gs pos="100000">
+                      <a:srgbClr val="000000"/>
+                    </a:gs>
+                  </a:gsLst>
+                  <a:lin ang="5400000" scaled="0"/>
+                </a:gradFill>
+                <a:latin typeface="Segoe UI" pitchFamily="34" charset="0"/>
+                <a:ea typeface="+mn-ea"/>
+                <a:cs typeface="Segoe UI" pitchFamily="34" charset="0"/>
+              </a:defRPr>
+            </a:lvl5pPr>
+            <a:lvl6pPr marL="2514509" indent="-228592" algn="l" defTabSz="914367" rtl="0" eaLnBrk="1" latinLnBrk="0" hangingPunct="1">
+              <a:spcBef>
+                <a:spcPct val="20000"/>
+              </a:spcBef>
+              <a:buFont typeface="Arial" pitchFamily="34" charset="0"/>
+              <a:buChar char="•"/>
+              <a:defRPr sz="1961" kern="1200">
+                <a:solidFill>
+                  <a:schemeClr val="tx1"/>
+                </a:solidFill>
+                <a:latin typeface="+mn-lt"/>
+                <a:ea typeface="+mn-ea"/>
+                <a:cs typeface="+mn-cs"/>
+              </a:defRPr>
+            </a:lvl6pPr>
+            <a:lvl7pPr marL="2971693" indent="-228592" algn="l" defTabSz="914367" rtl="0" eaLnBrk="1" latinLnBrk="0" hangingPunct="1">
+              <a:spcBef>
+                <a:spcPct val="20000"/>
+              </a:spcBef>
+              <a:buFont typeface="Arial" pitchFamily="34" charset="0"/>
+              <a:buChar char="•"/>
+              <a:defRPr sz="1961" kern="1200">
+                <a:solidFill>
+                  <a:schemeClr val="tx1"/>
+                </a:solidFill>
+                <a:latin typeface="+mn-lt"/>
+                <a:ea typeface="+mn-ea"/>
+                <a:cs typeface="+mn-cs"/>
+              </a:defRPr>
+            </a:lvl7pPr>
+            <a:lvl8pPr marL="3428877" indent="-228592" algn="l" defTabSz="914367" rtl="0" eaLnBrk="1" latinLnBrk="0" hangingPunct="1">
+              <a:spcBef>
+                <a:spcPct val="20000"/>
+              </a:spcBef>
+              <a:buFont typeface="Arial" pitchFamily="34" charset="0"/>
+              <a:buChar char="•"/>
+              <a:defRPr sz="1961" kern="1200">
+                <a:solidFill>
+                  <a:schemeClr val="tx1"/>
+                </a:solidFill>
+                <a:latin typeface="+mn-lt"/>
+                <a:ea typeface="+mn-ea"/>
+                <a:cs typeface="+mn-cs"/>
+              </a:defRPr>
+            </a:lvl8pPr>
+            <a:lvl9pPr marL="3886061" indent="-228592" algn="l" defTabSz="914367" rtl="0" eaLnBrk="1" latinLnBrk="0" hangingPunct="1">
+              <a:spcBef>
+                <a:spcPct val="20000"/>
+              </a:spcBef>
+              <a:buFont typeface="Arial" pitchFamily="34" charset="0"/>
+              <a:buChar char="•"/>
+              <a:defRPr sz="1961" kern="1200">
+                <a:solidFill>
+                  <a:schemeClr val="tx1"/>
+                </a:solidFill>
+                <a:latin typeface="+mn-lt"/>
+                <a:ea typeface="+mn-ea"/>
+                <a:cs typeface="+mn-cs"/>
+              </a:defRPr>
+            </a:lvl9pPr>
+          </a:lstStyle>
+          <a:p>
+            <a:pPr marL="457200" indent="-457200">
+              <a:buFontTx/>
+              <a:buChar char="-"/>
+            </a:pPr>
+            <a:r>
+              <a:rPr lang="en-US" dirty="0"/>
+              <a:t>Non-examples: Mobile/</a:t>
+            </a:r>
+            <a:r>
+              <a:rPr lang="en-US" dirty="0" err="1"/>
+              <a:t>StoreApp</a:t>
+            </a:r>
+            <a:r>
+              <a:rPr lang="en-US" dirty="0"/>
+              <a:t> "background jobs“</a:t>
+            </a:r>
+          </a:p>
+          <a:p>
+            <a:pPr marL="796926" lvl="1" indent="-457200">
+              <a:buFontTx/>
+              <a:buChar char="-"/>
+            </a:pPr>
+            <a:r>
+              <a:rPr lang="en-US" dirty="0"/>
+              <a:t>iOS Background Tasks / Android Task Scheduling / UWP Background Tasks</a:t>
+            </a:r>
+          </a:p>
+          <a:p>
+            <a:pPr marL="796926" lvl="1" indent="-457200">
+              <a:buFontTx/>
+              <a:buChar char="-"/>
+            </a:pPr>
+            <a:r>
+              <a:rPr lang="en-US" dirty="0"/>
+              <a:t>Again, a different custom hosting situation.</a:t>
+            </a:r>
+          </a:p>
+        </p:txBody>
+      </p:sp>
+    </p:spTree>
+    <p:extLst>
+      <p:ext uri="{BB962C8B-B14F-4D97-AF65-F5344CB8AC3E}">
+        <p14:creationId xmlns:p14="http://schemas.microsoft.com/office/powerpoint/2010/main" val="1247362799"/>
+      </p:ext>
+    </p:extLst>
+  </p:cSld>
+  <p:clrMapOvr>
+    <a:masterClrMapping/>
+  </p:clrMapOvr>
+  <p:transition>
+    <p:fade/>
+  </p:transition>
+</p:sld>
+</file>
+
+<file path=ppt/slides/slide7.xml><?xml version="1.0" encoding="utf-8"?>
+<p:sld xmlns:a="http://schemas.openxmlformats.org/drawingml/2006/main" xmlns:r="http://schemas.openxmlformats.org/officeDocument/2006/relationships" xmlns:p="http://schemas.openxmlformats.org/presentationml/2006/main">
+  <p:cSld>
+    <p:spTree>
+      <p:nvGrpSpPr>
+        <p:cNvPr id="1" name="">
+          <a:extLst>
+            <a:ext uri="{FF2B5EF4-FFF2-40B4-BE49-F238E27FC236}">
               <a16:creationId xmlns:a16="http://schemas.microsoft.com/office/drawing/2014/main" id="{06161613-8AB5-EF81-5EDC-CCC1EF531525}"/>
             </a:ext>
           </a:extLst>
@@ -7036,6 +7993,51 @@
           </a:p>
         </p:txBody>
       </p:sp>
+      <p:pic>
+        <p:nvPicPr>
+          <p:cNvPr id="2050" name="Picture 2">
+            <a:extLst>
+              <a:ext uri="{FF2B5EF4-FFF2-40B4-BE49-F238E27FC236}">
+                <a16:creationId xmlns:a16="http://schemas.microsoft.com/office/drawing/2014/main" id="{D0FA8DFE-3F20-56BB-BF9C-2B35CE203E8E}"/>
+              </a:ext>
+            </a:extLst>
+          </p:cNvPr>
+          <p:cNvPicPr>
+            <a:picLocks noChangeAspect="1" noChangeArrowheads="1"/>
+          </p:cNvPicPr>
+          <p:nvPr/>
+        </p:nvPicPr>
+        <p:blipFill rotWithShape="1">
+          <a:blip r:embed="rId3">
+            <a:extLst>
+              <a:ext uri="{28A0092B-C50C-407E-A947-70E740481C1C}">
+                <a14:useLocalDpi xmlns:a14="http://schemas.microsoft.com/office/drawing/2010/main" val="0"/>
+              </a:ext>
+            </a:extLst>
+          </a:blip>
+          <a:srcRect l="35797" r="-1953"/>
+          <a:stretch/>
+        </p:blipFill>
+        <p:spPr bwMode="auto">
+          <a:xfrm>
+            <a:off x="7846540" y="2310843"/>
+            <a:ext cx="3931920" cy="3990975"/>
+          </a:xfrm>
+          <a:prstGeom prst="rect">
+            <a:avLst/>
+          </a:prstGeom>
+          <a:noFill/>
+          <a:extLst>
+            <a:ext uri="{909E8E84-426E-40DD-AFC4-6F175D3DCCD1}">
+              <a14:hiddenFill xmlns:a14="http://schemas.microsoft.com/office/drawing/2010/main">
+                <a:solidFill>
+                  <a:srgbClr val="FFFFFF"/>
+                </a:solidFill>
+              </a14:hiddenFill>
+            </a:ext>
+          </a:extLst>
+        </p:spPr>
+      </p:pic>
     </p:spTree>
     <p:extLst>
       <p:ext uri="{BB962C8B-B14F-4D97-AF65-F5344CB8AC3E}">
@@ -7052,7 +8054,7 @@
 </p:sld>
 </file>
 
-<file path=ppt/slides/slide7.xml><?xml version="1.0" encoding="utf-8"?>
+<file path=ppt/slides/slide8.xml><?xml version="1.0" encoding="utf-8"?>
 <p:sld xmlns:a="http://schemas.openxmlformats.org/drawingml/2006/main" xmlns:r="http://schemas.openxmlformats.org/officeDocument/2006/relationships" xmlns:p="http://schemas.openxmlformats.org/presentationml/2006/main">
   <p:cSld>
     <p:spTree>
@@ -7119,7 +8121,7 @@
 </p:sld>
 </file>
 
-<file path=ppt/slides/slide8.xml><?xml version="1.0" encoding="utf-8"?>
+<file path=ppt/slides/slide9.xml><?xml version="1.0" encoding="utf-8"?>
 <p:sld xmlns:a="http://schemas.openxmlformats.org/drawingml/2006/main" xmlns:r="http://schemas.openxmlformats.org/officeDocument/2006/relationships" xmlns:p="http://schemas.openxmlformats.org/presentationml/2006/main">
   <p:cSld>
     <p:spTree>
@@ -7189,7 +8191,7 @@
         <p:spPr>
           <a:xfrm>
             <a:off x="269239" y="1197322"/>
-            <a:ext cx="7045961" cy="4674293"/>
+            <a:ext cx="7045961" cy="4022576"/>
           </a:xfrm>
         </p:spPr>
         <p:txBody>
@@ -7255,7 +8257,7 @@
               <a:rPr lang="en-US" dirty="0">
                 <a:hlinkClick r:id="rId3"/>
               </a:rPr>
-              <a:t>https://stackoverflow.com/questions/60517716/can-a-net-core-application-on-windows-trap-a-sigterm-event</a:t>
+              <a:t>https://tinyurl.com/docker-windows</a:t>
             </a:r>
             <a:endParaRPr lang="en-US" dirty="0"/>
           </a:p>
@@ -7312,159 +8314,6 @@
     <p:extLst>
       <p:ext uri="{BB962C8B-B14F-4D97-AF65-F5344CB8AC3E}">
         <p14:creationId xmlns:p14="http://schemas.microsoft.com/office/powerpoint/2010/main" val="1161784652"/>
-      </p:ext>
-    </p:extLst>
-  </p:cSld>
-  <p:clrMapOvr>
-    <a:masterClrMapping/>
-  </p:clrMapOvr>
-  <p:transition>
-    <p:fade/>
-  </p:transition>
-</p:sld>
-</file>
-
-<file path=ppt/slides/slide9.xml><?xml version="1.0" encoding="utf-8"?>
-<p:sld xmlns:a="http://schemas.openxmlformats.org/drawingml/2006/main" xmlns:r="http://schemas.openxmlformats.org/officeDocument/2006/relationships" xmlns:p="http://schemas.openxmlformats.org/presentationml/2006/main">
-  <p:cSld>
-    <p:spTree>
-      <p:nvGrpSpPr>
-        <p:cNvPr id="1" name="">
-          <a:extLst>
-            <a:ext uri="{FF2B5EF4-FFF2-40B4-BE49-F238E27FC236}">
-              <a16:creationId xmlns:a16="http://schemas.microsoft.com/office/drawing/2014/main" id="{88B34498-2A81-97DE-FABD-9743AA7E092A}"/>
-            </a:ext>
-          </a:extLst>
-        </p:cNvPr>
-        <p:cNvGrpSpPr/>
-        <p:nvPr/>
-      </p:nvGrpSpPr>
-      <p:grpSpPr>
-        <a:xfrm>
-          <a:off x="0" y="0"/>
-          <a:ext cx="0" cy="0"/>
-          <a:chOff x="0" y="0"/>
-          <a:chExt cx="0" cy="0"/>
-        </a:xfrm>
-      </p:grpSpPr>
-      <p:sp>
-        <p:nvSpPr>
-          <p:cNvPr id="3" name="Title 2">
-            <a:extLst>
-              <a:ext uri="{FF2B5EF4-FFF2-40B4-BE49-F238E27FC236}">
-                <a16:creationId xmlns:a16="http://schemas.microsoft.com/office/drawing/2014/main" id="{13111190-FA1D-33E6-F4ED-E6048E7F05E3}"/>
-              </a:ext>
-            </a:extLst>
-          </p:cNvPr>
-          <p:cNvSpPr>
-            <a:spLocks noGrp="1"/>
-          </p:cNvSpPr>
-          <p:nvPr>
-            <p:ph type="title"/>
-          </p:nvPr>
-        </p:nvSpPr>
-        <p:spPr/>
-        <p:txBody>
-          <a:bodyPr/>
-          <a:lstStyle/>
-          <a:p>
-            <a:r>
-              <a:rPr lang="en-US" dirty="0"/>
-              <a:t>Process Hosts: Win32 Services</a:t>
-            </a:r>
-          </a:p>
-        </p:txBody>
-      </p:sp>
-      <p:sp>
-        <p:nvSpPr>
-          <p:cNvPr id="4" name="Text Placeholder 3">
-            <a:extLst>
-              <a:ext uri="{FF2B5EF4-FFF2-40B4-BE49-F238E27FC236}">
-                <a16:creationId xmlns:a16="http://schemas.microsoft.com/office/drawing/2014/main" id="{9D06B719-73B0-85F1-3FE5-DAEC84CFB887}"/>
-              </a:ext>
-            </a:extLst>
-          </p:cNvPr>
-          <p:cNvSpPr>
-            <a:spLocks noGrp="1"/>
-          </p:cNvSpPr>
-          <p:nvPr>
-            <p:ph type="body" sz="quarter" idx="10"/>
-          </p:nvPr>
-        </p:nvSpPr>
-        <p:spPr>
-          <a:xfrm>
-            <a:off x="269239" y="1197322"/>
-            <a:ext cx="11653522" cy="4416465"/>
-          </a:xfrm>
-        </p:spPr>
-        <p:txBody>
-          <a:bodyPr/>
-          <a:lstStyle/>
-          <a:p>
-            <a:pPr marL="457200" indent="-457200">
-              <a:buFontTx/>
-              <a:buChar char="-"/>
-            </a:pPr>
-            <a:r>
-              <a:rPr lang="en-US" dirty="0"/>
-              <a:t>Reliability flag: </a:t>
-            </a:r>
-            <a:r>
-              <a:rPr lang="en-US" dirty="0">
-                <a:hlinkClick r:id="rId3"/>
-              </a:rPr>
-              <a:t>https://blog.stephencleary.com/2020/06/servicebase-gotcha-recovery-actions.html</a:t>
-            </a:r>
-            <a:endParaRPr lang="en-US" dirty="0"/>
-          </a:p>
-          <a:p>
-            <a:pPr marL="457200" indent="-457200">
-              <a:buFontTx/>
-              <a:buChar char="-"/>
-            </a:pPr>
-            <a:r>
-              <a:rPr lang="en-US" dirty="0"/>
-              <a:t>Working directory is not where your exe/</a:t>
-            </a:r>
-            <a:r>
-              <a:rPr lang="en-US" dirty="0" err="1"/>
-              <a:t>dll</a:t>
-            </a:r>
-            <a:r>
-              <a:rPr lang="en-US" dirty="0"/>
-              <a:t> is. </a:t>
-            </a:r>
-            <a:r>
-              <a:rPr lang="en-US" dirty="0">
-                <a:hlinkClick r:id="rId4"/>
-              </a:rPr>
-              <a:t>https://blog.stephencleary.com/2009/10/managed-windows-services-basics.html</a:t>
-            </a:r>
-            <a:endParaRPr lang="en-US" dirty="0"/>
-          </a:p>
-          <a:p>
-            <a:pPr marL="457200" indent="-457200">
-              <a:buFontTx/>
-              <a:buChar char="-"/>
-            </a:pPr>
-            <a:r>
-              <a:rPr lang="en-US" dirty="0"/>
-              <a:t>No redirected network drives; use UNC paths instead. </a:t>
-            </a:r>
-            <a:r>
-              <a:rPr lang="en-US" dirty="0">
-                <a:hlinkClick r:id="rId5"/>
-              </a:rPr>
-              <a:t>https://blog.stephencleary.com/2009/10/windows-services-and-network.html</a:t>
-            </a:r>
-            <a:endParaRPr lang="en-US" dirty="0"/>
-          </a:p>
-        </p:txBody>
-      </p:sp>
-    </p:spTree>
-    <p:extLst>
-      <p:ext uri="{BB962C8B-B14F-4D97-AF65-F5344CB8AC3E}">
-        <p14:creationId xmlns:p14="http://schemas.microsoft.com/office/powerpoint/2010/main" val="3736401840"/>
       </p:ext>
     </p:extLst>
   </p:cSld>
